--- a/fig/sleds_system.pptx
+++ b/fig/sleds_system.pptx
@@ -1,6 +1,6 @@
 
 <file path=ppt/presentation.xml><?xml version="1.0" encoding="utf-8"?>
-<p:presentation xmlns:a="http://schemas.openxmlformats.org/drawingml/2006/main" xmlns:r="http://schemas.openxmlformats.org/officeDocument/2006/relationships" xmlns:mc="http://schemas.openxmlformats.org/markup-compatibility/2006" xmlns:mv="urn:schemas-microsoft-com:mac:vml" xmlns:p="http://schemas.openxmlformats.org/presentationml/2006/main" mc:Ignorable="mv" mc:PreserveAttributes="mv:*" saveSubsetFonts="1">
+<p:presentation xmlns:a="http://schemas.openxmlformats.org/drawingml/2006/main" xmlns:r="http://schemas.openxmlformats.org/officeDocument/2006/relationships" xmlns:p="http://schemas.openxmlformats.org/presentationml/2006/main" saveSubsetFonts="1">
   <p:sldMasterIdLst>
     <p:sldMasterId id="2147483648" r:id="rId1"/>
   </p:sldMasterIdLst>
@@ -106,14 +106,25 @@
   </p:defaultTextStyle>
   <p:extLst>
     <p:ext uri="{EFAFB233-063F-42B5-8137-9DF3F51BA10A}">
-      <p15:sldGuideLst xmlns:p15="http://schemas.microsoft.com/office/powerpoint/2012/main" xmlns:p="http://schemas.openxmlformats.org/presentationml/2006/main" xmlns:r="http://schemas.openxmlformats.org/officeDocument/2006/relationships" xmlns:a="http://schemas.openxmlformats.org/drawingml/2006/main" xmlns=""/>
+      <p15:sldGuideLst xmlns:p15="http://schemas.microsoft.com/office/powerpoint/2012/main">
+        <p15:guide id="1" orient="horz" pos="2160">
+          <p15:clr>
+            <a:srgbClr val="A4A3A4"/>
+          </p15:clr>
+        </p15:guide>
+        <p15:guide id="2" pos="3840">
+          <p15:clr>
+            <a:srgbClr val="A4A3A4"/>
+          </p15:clr>
+        </p15:guide>
+      </p15:sldGuideLst>
     </p:ext>
   </p:extLst>
 </p:presentation>
 </file>
 
 <file path=ppt/slideLayouts/slideLayout1.xml><?xml version="1.0" encoding="utf-8"?>
-<p:sldLayout xmlns:a="http://schemas.openxmlformats.org/drawingml/2006/main" xmlns:r="http://schemas.openxmlformats.org/officeDocument/2006/relationships" xmlns:mc="http://schemas.openxmlformats.org/markup-compatibility/2006" xmlns:mv="urn:schemas-microsoft-com:mac:vml" xmlns:p="http://schemas.openxmlformats.org/presentationml/2006/main" mc:Ignorable="mv" mc:PreserveAttributes="mv:*" type="title" preserve="1">
+<p:sldLayout xmlns:a="http://schemas.openxmlformats.org/drawingml/2006/main" xmlns:r="http://schemas.openxmlformats.org/officeDocument/2006/relationships" xmlns:p="http://schemas.openxmlformats.org/presentationml/2006/main" type="title" preserve="1">
   <p:cSld name="Title Slide">
     <p:spTree>
       <p:nvGrpSpPr>
@@ -242,7 +253,7 @@
             <a:fld id="{19457448-3D55-49FA-89F0-46D5F3286A18}" type="datetimeFigureOut">
               <a:rPr lang="en-US" smtClean="0"/>
               <a:pPr/>
-              <a:t>3/4/17</a:t>
+              <a:t>4/1/2020</a:t>
             </a:fld>
             <a:endParaRPr lang="en-US"/>
           </a:p>
@@ -294,7 +305,7 @@
     </p:spTree>
     <p:extLst>
       <p:ext uri="{BB962C8B-B14F-4D97-AF65-F5344CB8AC3E}">
-        <p14:creationId xmlns:p14="http://schemas.microsoft.com/office/powerpoint/2010/main" xmlns:p="http://schemas.openxmlformats.org/presentationml/2006/main" xmlns:r="http://schemas.openxmlformats.org/officeDocument/2006/relationships" xmlns:a="http://schemas.openxmlformats.org/drawingml/2006/main" xmlns="" val="2996070599"/>
+        <p14:creationId xmlns:p14="http://schemas.microsoft.com/office/powerpoint/2010/main" val="2996070599"/>
       </p:ext>
     </p:extLst>
   </p:cSld>
@@ -305,7 +316,7 @@
 </file>
 
 <file path=ppt/slideLayouts/slideLayout10.xml><?xml version="1.0" encoding="utf-8"?>
-<p:sldLayout xmlns:a="http://schemas.openxmlformats.org/drawingml/2006/main" xmlns:r="http://schemas.openxmlformats.org/officeDocument/2006/relationships" xmlns:mc="http://schemas.openxmlformats.org/markup-compatibility/2006" xmlns:mv="urn:schemas-microsoft-com:mac:vml" xmlns:p="http://schemas.openxmlformats.org/presentationml/2006/main" mc:Ignorable="mv" mc:PreserveAttributes="mv:*" type="vertTx" preserve="1">
+<p:sldLayout xmlns:a="http://schemas.openxmlformats.org/drawingml/2006/main" xmlns:r="http://schemas.openxmlformats.org/officeDocument/2006/relationships" xmlns:p="http://schemas.openxmlformats.org/presentationml/2006/main" type="vertTx" preserve="1">
   <p:cSld name="Title and Vertical Text">
     <p:spTree>
       <p:nvGrpSpPr>
@@ -412,7 +423,7 @@
             <a:fld id="{19457448-3D55-49FA-89F0-46D5F3286A18}" type="datetimeFigureOut">
               <a:rPr lang="en-US" smtClean="0"/>
               <a:pPr/>
-              <a:t>3/4/17</a:t>
+              <a:t>4/1/2020</a:t>
             </a:fld>
             <a:endParaRPr lang="en-US"/>
           </a:p>
@@ -464,7 +475,7 @@
     </p:spTree>
     <p:extLst>
       <p:ext uri="{BB962C8B-B14F-4D97-AF65-F5344CB8AC3E}">
-        <p14:creationId xmlns:p14="http://schemas.microsoft.com/office/powerpoint/2010/main" xmlns:p="http://schemas.openxmlformats.org/presentationml/2006/main" xmlns:r="http://schemas.openxmlformats.org/officeDocument/2006/relationships" xmlns:a="http://schemas.openxmlformats.org/drawingml/2006/main" xmlns="" val="1149101327"/>
+        <p14:creationId xmlns:p14="http://schemas.microsoft.com/office/powerpoint/2010/main" val="1149101327"/>
       </p:ext>
     </p:extLst>
   </p:cSld>
@@ -475,7 +486,7 @@
 </file>
 
 <file path=ppt/slideLayouts/slideLayout11.xml><?xml version="1.0" encoding="utf-8"?>
-<p:sldLayout xmlns:a="http://schemas.openxmlformats.org/drawingml/2006/main" xmlns:r="http://schemas.openxmlformats.org/officeDocument/2006/relationships" xmlns:mc="http://schemas.openxmlformats.org/markup-compatibility/2006" xmlns:mv="urn:schemas-microsoft-com:mac:vml" xmlns:p="http://schemas.openxmlformats.org/presentationml/2006/main" mc:Ignorable="mv" mc:PreserveAttributes="mv:*" type="vertTitleAndTx" preserve="1">
+<p:sldLayout xmlns:a="http://schemas.openxmlformats.org/drawingml/2006/main" xmlns:r="http://schemas.openxmlformats.org/officeDocument/2006/relationships" xmlns:p="http://schemas.openxmlformats.org/presentationml/2006/main" type="vertTitleAndTx" preserve="1">
   <p:cSld name="Vertical Title and Text">
     <p:spTree>
       <p:nvGrpSpPr>
@@ -592,7 +603,7 @@
             <a:fld id="{19457448-3D55-49FA-89F0-46D5F3286A18}" type="datetimeFigureOut">
               <a:rPr lang="en-US" smtClean="0"/>
               <a:pPr/>
-              <a:t>3/4/17</a:t>
+              <a:t>4/1/2020</a:t>
             </a:fld>
             <a:endParaRPr lang="en-US"/>
           </a:p>
@@ -644,7 +655,7 @@
     </p:spTree>
     <p:extLst>
       <p:ext uri="{BB962C8B-B14F-4D97-AF65-F5344CB8AC3E}">
-        <p14:creationId xmlns:p14="http://schemas.microsoft.com/office/powerpoint/2010/main" xmlns:p="http://schemas.openxmlformats.org/presentationml/2006/main" xmlns:r="http://schemas.openxmlformats.org/officeDocument/2006/relationships" xmlns:a="http://schemas.openxmlformats.org/drawingml/2006/main" xmlns="" val="162988216"/>
+        <p14:creationId xmlns:p14="http://schemas.microsoft.com/office/powerpoint/2010/main" val="162988216"/>
       </p:ext>
     </p:extLst>
   </p:cSld>
@@ -655,7 +666,7 @@
 </file>
 
 <file path=ppt/slideLayouts/slideLayout2.xml><?xml version="1.0" encoding="utf-8"?>
-<p:sldLayout xmlns:a="http://schemas.openxmlformats.org/drawingml/2006/main" xmlns:r="http://schemas.openxmlformats.org/officeDocument/2006/relationships" xmlns:mc="http://schemas.openxmlformats.org/markup-compatibility/2006" xmlns:mv="urn:schemas-microsoft-com:mac:vml" xmlns:p="http://schemas.openxmlformats.org/presentationml/2006/main" mc:Ignorable="mv" mc:PreserveAttributes="mv:*" type="obj" preserve="1">
+<p:sldLayout xmlns:a="http://schemas.openxmlformats.org/drawingml/2006/main" xmlns:r="http://schemas.openxmlformats.org/officeDocument/2006/relationships" xmlns:p="http://schemas.openxmlformats.org/presentationml/2006/main" type="obj" preserve="1">
   <p:cSld name="Title and Content">
     <p:spTree>
       <p:nvGrpSpPr>
@@ -762,7 +773,7 @@
             <a:fld id="{19457448-3D55-49FA-89F0-46D5F3286A18}" type="datetimeFigureOut">
               <a:rPr lang="en-US" smtClean="0"/>
               <a:pPr/>
-              <a:t>3/4/17</a:t>
+              <a:t>4/1/2020</a:t>
             </a:fld>
             <a:endParaRPr lang="en-US"/>
           </a:p>
@@ -814,7 +825,7 @@
     </p:spTree>
     <p:extLst>
       <p:ext uri="{BB962C8B-B14F-4D97-AF65-F5344CB8AC3E}">
-        <p14:creationId xmlns:p14="http://schemas.microsoft.com/office/powerpoint/2010/main" xmlns:p="http://schemas.openxmlformats.org/presentationml/2006/main" xmlns:r="http://schemas.openxmlformats.org/officeDocument/2006/relationships" xmlns:a="http://schemas.openxmlformats.org/drawingml/2006/main" xmlns="" val="1694616767"/>
+        <p14:creationId xmlns:p14="http://schemas.microsoft.com/office/powerpoint/2010/main" val="1694616767"/>
       </p:ext>
     </p:extLst>
   </p:cSld>
@@ -825,7 +836,7 @@
 </file>
 
 <file path=ppt/slideLayouts/slideLayout3.xml><?xml version="1.0" encoding="utf-8"?>
-<p:sldLayout xmlns:a="http://schemas.openxmlformats.org/drawingml/2006/main" xmlns:r="http://schemas.openxmlformats.org/officeDocument/2006/relationships" xmlns:mc="http://schemas.openxmlformats.org/markup-compatibility/2006" xmlns:mv="urn:schemas-microsoft-com:mac:vml" xmlns:p="http://schemas.openxmlformats.org/presentationml/2006/main" mc:Ignorable="mv" mc:PreserveAttributes="mv:*" type="secHead" preserve="1">
+<p:sldLayout xmlns:a="http://schemas.openxmlformats.org/drawingml/2006/main" xmlns:r="http://schemas.openxmlformats.org/officeDocument/2006/relationships" xmlns:p="http://schemas.openxmlformats.org/presentationml/2006/main" type="secHead" preserve="1">
   <p:cSld name="Section Header">
     <p:spTree>
       <p:nvGrpSpPr>
@@ -1009,7 +1020,7 @@
             <a:fld id="{19457448-3D55-49FA-89F0-46D5F3286A18}" type="datetimeFigureOut">
               <a:rPr lang="en-US" smtClean="0"/>
               <a:pPr/>
-              <a:t>3/4/17</a:t>
+              <a:t>4/1/2020</a:t>
             </a:fld>
             <a:endParaRPr lang="en-US"/>
           </a:p>
@@ -1061,7 +1072,7 @@
     </p:spTree>
     <p:extLst>
       <p:ext uri="{BB962C8B-B14F-4D97-AF65-F5344CB8AC3E}">
-        <p14:creationId xmlns:p14="http://schemas.microsoft.com/office/powerpoint/2010/main" xmlns:p="http://schemas.openxmlformats.org/presentationml/2006/main" xmlns:r="http://schemas.openxmlformats.org/officeDocument/2006/relationships" xmlns:a="http://schemas.openxmlformats.org/drawingml/2006/main" xmlns="" val="1461834737"/>
+        <p14:creationId xmlns:p14="http://schemas.microsoft.com/office/powerpoint/2010/main" val="1461834737"/>
       </p:ext>
     </p:extLst>
   </p:cSld>
@@ -1072,7 +1083,7 @@
 </file>
 
 <file path=ppt/slideLayouts/slideLayout4.xml><?xml version="1.0" encoding="utf-8"?>
-<p:sldLayout xmlns:a="http://schemas.openxmlformats.org/drawingml/2006/main" xmlns:r="http://schemas.openxmlformats.org/officeDocument/2006/relationships" xmlns:mc="http://schemas.openxmlformats.org/markup-compatibility/2006" xmlns:mv="urn:schemas-microsoft-com:mac:vml" xmlns:p="http://schemas.openxmlformats.org/presentationml/2006/main" mc:Ignorable="mv" mc:PreserveAttributes="mv:*" type="twoObj" preserve="1">
+<p:sldLayout xmlns:a="http://schemas.openxmlformats.org/drawingml/2006/main" xmlns:r="http://schemas.openxmlformats.org/officeDocument/2006/relationships" xmlns:p="http://schemas.openxmlformats.org/presentationml/2006/main" type="twoObj" preserve="1">
   <p:cSld name="Two Content">
     <p:spTree>
       <p:nvGrpSpPr>
@@ -1240,7 +1251,7 @@
             <a:fld id="{19457448-3D55-49FA-89F0-46D5F3286A18}" type="datetimeFigureOut">
               <a:rPr lang="en-US" smtClean="0"/>
               <a:pPr/>
-              <a:t>3/4/17</a:t>
+              <a:t>4/1/2020</a:t>
             </a:fld>
             <a:endParaRPr lang="en-US"/>
           </a:p>
@@ -1292,7 +1303,7 @@
     </p:spTree>
     <p:extLst>
       <p:ext uri="{BB962C8B-B14F-4D97-AF65-F5344CB8AC3E}">
-        <p14:creationId xmlns:p14="http://schemas.microsoft.com/office/powerpoint/2010/main" xmlns:p="http://schemas.openxmlformats.org/presentationml/2006/main" xmlns:r="http://schemas.openxmlformats.org/officeDocument/2006/relationships" xmlns:a="http://schemas.openxmlformats.org/drawingml/2006/main" xmlns="" val="2834728640"/>
+        <p14:creationId xmlns:p14="http://schemas.microsoft.com/office/powerpoint/2010/main" val="2834728640"/>
       </p:ext>
     </p:extLst>
   </p:cSld>
@@ -1303,7 +1314,7 @@
 </file>
 
 <file path=ppt/slideLayouts/slideLayout5.xml><?xml version="1.0" encoding="utf-8"?>
-<p:sldLayout xmlns:a="http://schemas.openxmlformats.org/drawingml/2006/main" xmlns:r="http://schemas.openxmlformats.org/officeDocument/2006/relationships" xmlns:mc="http://schemas.openxmlformats.org/markup-compatibility/2006" xmlns:mv="urn:schemas-microsoft-com:mac:vml" xmlns:p="http://schemas.openxmlformats.org/presentationml/2006/main" mc:Ignorable="mv" mc:PreserveAttributes="mv:*" type="twoTxTwoObj" preserve="1">
+<p:sldLayout xmlns:a="http://schemas.openxmlformats.org/drawingml/2006/main" xmlns:r="http://schemas.openxmlformats.org/officeDocument/2006/relationships" xmlns:p="http://schemas.openxmlformats.org/presentationml/2006/main" type="twoTxTwoObj" preserve="1">
   <p:cSld name="Comparison">
     <p:spTree>
       <p:nvGrpSpPr>
@@ -1606,7 +1617,7 @@
             <a:fld id="{19457448-3D55-49FA-89F0-46D5F3286A18}" type="datetimeFigureOut">
               <a:rPr lang="en-US" smtClean="0"/>
               <a:pPr/>
-              <a:t>3/4/17</a:t>
+              <a:t>4/1/2020</a:t>
             </a:fld>
             <a:endParaRPr lang="en-US"/>
           </a:p>
@@ -1658,7 +1669,7 @@
     </p:spTree>
     <p:extLst>
       <p:ext uri="{BB962C8B-B14F-4D97-AF65-F5344CB8AC3E}">
-        <p14:creationId xmlns:p14="http://schemas.microsoft.com/office/powerpoint/2010/main" xmlns:p="http://schemas.openxmlformats.org/presentationml/2006/main" xmlns:r="http://schemas.openxmlformats.org/officeDocument/2006/relationships" xmlns:a="http://schemas.openxmlformats.org/drawingml/2006/main" xmlns="" val="759928507"/>
+        <p14:creationId xmlns:p14="http://schemas.microsoft.com/office/powerpoint/2010/main" val="759928507"/>
       </p:ext>
     </p:extLst>
   </p:cSld>
@@ -1669,7 +1680,7 @@
 </file>
 
 <file path=ppt/slideLayouts/slideLayout6.xml><?xml version="1.0" encoding="utf-8"?>
-<p:sldLayout xmlns:a="http://schemas.openxmlformats.org/drawingml/2006/main" xmlns:r="http://schemas.openxmlformats.org/officeDocument/2006/relationships" xmlns:mc="http://schemas.openxmlformats.org/markup-compatibility/2006" xmlns:mv="urn:schemas-microsoft-com:mac:vml" xmlns:p="http://schemas.openxmlformats.org/presentationml/2006/main" mc:Ignorable="mv" mc:PreserveAttributes="mv:*" type="titleOnly" preserve="1">
+<p:sldLayout xmlns:a="http://schemas.openxmlformats.org/drawingml/2006/main" xmlns:r="http://schemas.openxmlformats.org/officeDocument/2006/relationships" xmlns:p="http://schemas.openxmlformats.org/presentationml/2006/main" type="titleOnly" preserve="1">
   <p:cSld name="Title Only">
     <p:spTree>
       <p:nvGrpSpPr>
@@ -1725,7 +1736,7 @@
             <a:fld id="{19457448-3D55-49FA-89F0-46D5F3286A18}" type="datetimeFigureOut">
               <a:rPr lang="en-US" smtClean="0"/>
               <a:pPr/>
-              <a:t>3/4/17</a:t>
+              <a:t>4/1/2020</a:t>
             </a:fld>
             <a:endParaRPr lang="en-US"/>
           </a:p>
@@ -1777,7 +1788,7 @@
     </p:spTree>
     <p:extLst>
       <p:ext uri="{BB962C8B-B14F-4D97-AF65-F5344CB8AC3E}">
-        <p14:creationId xmlns:p14="http://schemas.microsoft.com/office/powerpoint/2010/main" xmlns:p="http://schemas.openxmlformats.org/presentationml/2006/main" xmlns:r="http://schemas.openxmlformats.org/officeDocument/2006/relationships" xmlns:a="http://schemas.openxmlformats.org/drawingml/2006/main" xmlns="" val="1984924416"/>
+        <p14:creationId xmlns:p14="http://schemas.microsoft.com/office/powerpoint/2010/main" val="1984924416"/>
       </p:ext>
     </p:extLst>
   </p:cSld>
@@ -1788,7 +1799,7 @@
 </file>
 
 <file path=ppt/slideLayouts/slideLayout7.xml><?xml version="1.0" encoding="utf-8"?>
-<p:sldLayout xmlns:a="http://schemas.openxmlformats.org/drawingml/2006/main" xmlns:r="http://schemas.openxmlformats.org/officeDocument/2006/relationships" xmlns:mc="http://schemas.openxmlformats.org/markup-compatibility/2006" xmlns:mv="urn:schemas-microsoft-com:mac:vml" xmlns:p="http://schemas.openxmlformats.org/presentationml/2006/main" mc:Ignorable="mv" mc:PreserveAttributes="mv:*" type="blank" preserve="1">
+<p:sldLayout xmlns:a="http://schemas.openxmlformats.org/drawingml/2006/main" xmlns:r="http://schemas.openxmlformats.org/officeDocument/2006/relationships" xmlns:p="http://schemas.openxmlformats.org/presentationml/2006/main" type="blank" preserve="1">
   <p:cSld name="Blank">
     <p:spTree>
       <p:nvGrpSpPr>
@@ -1822,7 +1833,7 @@
             <a:fld id="{19457448-3D55-49FA-89F0-46D5F3286A18}" type="datetimeFigureOut">
               <a:rPr lang="en-US" smtClean="0"/>
               <a:pPr/>
-              <a:t>3/4/17</a:t>
+              <a:t>4/1/2020</a:t>
             </a:fld>
             <a:endParaRPr lang="en-US"/>
           </a:p>
@@ -1874,7 +1885,7 @@
     </p:spTree>
     <p:extLst>
       <p:ext uri="{BB962C8B-B14F-4D97-AF65-F5344CB8AC3E}">
-        <p14:creationId xmlns:p14="http://schemas.microsoft.com/office/powerpoint/2010/main" xmlns:p="http://schemas.openxmlformats.org/presentationml/2006/main" xmlns:r="http://schemas.openxmlformats.org/officeDocument/2006/relationships" xmlns:a="http://schemas.openxmlformats.org/drawingml/2006/main" xmlns="" val="4098892320"/>
+        <p14:creationId xmlns:p14="http://schemas.microsoft.com/office/powerpoint/2010/main" val="4098892320"/>
       </p:ext>
     </p:extLst>
   </p:cSld>
@@ -1885,7 +1896,7 @@
 </file>
 
 <file path=ppt/slideLayouts/slideLayout8.xml><?xml version="1.0" encoding="utf-8"?>
-<p:sldLayout xmlns:a="http://schemas.openxmlformats.org/drawingml/2006/main" xmlns:r="http://schemas.openxmlformats.org/officeDocument/2006/relationships" xmlns:mc="http://schemas.openxmlformats.org/markup-compatibility/2006" xmlns:mv="urn:schemas-microsoft-com:mac:vml" xmlns:p="http://schemas.openxmlformats.org/presentationml/2006/main" mc:Ignorable="mv" mc:PreserveAttributes="mv:*" type="objTx" preserve="1">
+<p:sldLayout xmlns:a="http://schemas.openxmlformats.org/drawingml/2006/main" xmlns:r="http://schemas.openxmlformats.org/officeDocument/2006/relationships" xmlns:p="http://schemas.openxmlformats.org/presentationml/2006/main" type="objTx" preserve="1">
   <p:cSld name="Content with Caption">
     <p:spTree>
       <p:nvGrpSpPr>
@@ -2099,7 +2110,7 @@
             <a:fld id="{19457448-3D55-49FA-89F0-46D5F3286A18}" type="datetimeFigureOut">
               <a:rPr lang="en-US" smtClean="0"/>
               <a:pPr/>
-              <a:t>3/4/17</a:t>
+              <a:t>4/1/2020</a:t>
             </a:fld>
             <a:endParaRPr lang="en-US"/>
           </a:p>
@@ -2151,7 +2162,7 @@
     </p:spTree>
     <p:extLst>
       <p:ext uri="{BB962C8B-B14F-4D97-AF65-F5344CB8AC3E}">
-        <p14:creationId xmlns:p14="http://schemas.microsoft.com/office/powerpoint/2010/main" xmlns:p="http://schemas.openxmlformats.org/presentationml/2006/main" xmlns:r="http://schemas.openxmlformats.org/officeDocument/2006/relationships" xmlns:a="http://schemas.openxmlformats.org/drawingml/2006/main" xmlns="" val="3665348748"/>
+        <p14:creationId xmlns:p14="http://schemas.microsoft.com/office/powerpoint/2010/main" val="3665348748"/>
       </p:ext>
     </p:extLst>
   </p:cSld>
@@ -2162,7 +2173,7 @@
 </file>
 
 <file path=ppt/slideLayouts/slideLayout9.xml><?xml version="1.0" encoding="utf-8"?>
-<p:sldLayout xmlns:a="http://schemas.openxmlformats.org/drawingml/2006/main" xmlns:r="http://schemas.openxmlformats.org/officeDocument/2006/relationships" xmlns:mc="http://schemas.openxmlformats.org/markup-compatibility/2006" xmlns:mv="urn:schemas-microsoft-com:mac:vml" xmlns:p="http://schemas.openxmlformats.org/presentationml/2006/main" mc:Ignorable="mv" mc:PreserveAttributes="mv:*" type="picTx" preserve="1">
+<p:sldLayout xmlns:a="http://schemas.openxmlformats.org/drawingml/2006/main" xmlns:r="http://schemas.openxmlformats.org/officeDocument/2006/relationships" xmlns:p="http://schemas.openxmlformats.org/presentationml/2006/main" type="picTx" preserve="1">
   <p:cSld name="Picture with Caption">
     <p:spTree>
       <p:nvGrpSpPr>
@@ -2353,7 +2364,7 @@
             <a:fld id="{19457448-3D55-49FA-89F0-46D5F3286A18}" type="datetimeFigureOut">
               <a:rPr lang="en-US" smtClean="0"/>
               <a:pPr/>
-              <a:t>3/4/17</a:t>
+              <a:t>4/1/2020</a:t>
             </a:fld>
             <a:endParaRPr lang="en-US"/>
           </a:p>
@@ -2405,7 +2416,7 @@
     </p:spTree>
     <p:extLst>
       <p:ext uri="{BB962C8B-B14F-4D97-AF65-F5344CB8AC3E}">
-        <p14:creationId xmlns:p14="http://schemas.microsoft.com/office/powerpoint/2010/main" xmlns:p="http://schemas.openxmlformats.org/presentationml/2006/main" xmlns:r="http://schemas.openxmlformats.org/officeDocument/2006/relationships" xmlns:a="http://schemas.openxmlformats.org/drawingml/2006/main" xmlns="" val="3586344572"/>
+        <p14:creationId xmlns:p14="http://schemas.microsoft.com/office/powerpoint/2010/main" val="3586344572"/>
       </p:ext>
     </p:extLst>
   </p:cSld>
@@ -2416,7 +2427,7 @@
 </file>
 
 <file path=ppt/slideMasters/slideMaster1.xml><?xml version="1.0" encoding="utf-8"?>
-<p:sldMaster xmlns:a="http://schemas.openxmlformats.org/drawingml/2006/main" xmlns:r="http://schemas.openxmlformats.org/officeDocument/2006/relationships" xmlns:mc="http://schemas.openxmlformats.org/markup-compatibility/2006" xmlns:mv="urn:schemas-microsoft-com:mac:vml" xmlns:p="http://schemas.openxmlformats.org/presentationml/2006/main" mc:Ignorable="mv" mc:PreserveAttributes="mv:*">
+<p:sldMaster xmlns:a="http://schemas.openxmlformats.org/drawingml/2006/main" xmlns:r="http://schemas.openxmlformats.org/officeDocument/2006/relationships" xmlns:p="http://schemas.openxmlformats.org/presentationml/2006/main">
   <p:cSld>
     <p:bg>
       <p:bgRef idx="1001">
@@ -2566,7 +2577,7 @@
             <a:fld id="{19457448-3D55-49FA-89F0-46D5F3286A18}" type="datetimeFigureOut">
               <a:rPr lang="en-US" smtClean="0"/>
               <a:pPr/>
-              <a:t>3/4/17</a:t>
+              <a:t>4/1/2020</a:t>
             </a:fld>
             <a:endParaRPr lang="en-US"/>
           </a:p>
@@ -2654,7 +2665,7 @@
     </p:spTree>
     <p:extLst>
       <p:ext uri="{BB962C8B-B14F-4D97-AF65-F5344CB8AC3E}">
-        <p14:creationId xmlns:p14="http://schemas.microsoft.com/office/powerpoint/2010/main" xmlns:p="http://schemas.openxmlformats.org/presentationml/2006/main" xmlns:r="http://schemas.openxmlformats.org/officeDocument/2006/relationships" xmlns:a="http://schemas.openxmlformats.org/drawingml/2006/main" xmlns="" val="4167376414"/>
+        <p14:creationId xmlns:p14="http://schemas.microsoft.com/office/powerpoint/2010/main" val="4167376414"/>
       </p:ext>
     </p:extLst>
   </p:cSld>
@@ -2956,7 +2967,7 @@
 </file>
 
 <file path=ppt/slides/slide1.xml><?xml version="1.0" encoding="utf-8"?>
-<p:sld xmlns:a="http://schemas.openxmlformats.org/drawingml/2006/main" xmlns:r="http://schemas.openxmlformats.org/officeDocument/2006/relationships" xmlns:mc="http://schemas.openxmlformats.org/markup-compatibility/2006" xmlns:mv="urn:schemas-microsoft-com:mac:vml" xmlns:p="http://schemas.openxmlformats.org/presentationml/2006/main" mc:Ignorable="mv" mc:PreserveAttributes="mv:*">
+<p:sld xmlns:a="http://schemas.openxmlformats.org/drawingml/2006/main" xmlns:r="http://schemas.openxmlformats.org/officeDocument/2006/relationships" xmlns:p="http://schemas.openxmlformats.org/presentationml/2006/main">
   <p:cSld>
     <p:spTree>
       <p:nvGrpSpPr>
@@ -2972,600 +2983,1426 @@
           <a:chExt cx="0" cy="0"/>
         </a:xfrm>
       </p:grpSpPr>
-      <p:grpSp>
-        <p:nvGrpSpPr>
-          <p:cNvPr id="12" name="Group 11"/>
-          <p:cNvGrpSpPr/>
-          <p:nvPr/>
-        </p:nvGrpSpPr>
-        <p:grpSpPr>
-          <a:xfrm>
-            <a:off x="990226" y="293605"/>
-            <a:ext cx="8743676" cy="6251397"/>
-            <a:chOff x="990226" y="293605"/>
-            <a:chExt cx="8743676" cy="6251397"/>
-          </a:xfrm>
-        </p:grpSpPr>
-        <p:pic>
-          <p:nvPicPr>
-            <p:cNvPr id="4" name="Picture 3"/>
-            <p:cNvPicPr>
-              <a:picLocks noChangeAspect="1"/>
-            </p:cNvPicPr>
-            <p:nvPr/>
-          </p:nvPicPr>
-          <p:blipFill>
-            <a:blip r:embed="rId2">
-              <a:extLst>
-                <a:ext uri="{28A0092B-C50C-407E-A947-70E740481C1C}">
-                  <a14:useLocalDpi xmlns:a14="http://schemas.microsoft.com/office/drawing/2010/main" xmlns:p="http://schemas.openxmlformats.org/presentationml/2006/main" xmlns:r="http://schemas.openxmlformats.org/officeDocument/2006/relationships" xmlns:a="http://schemas.openxmlformats.org/drawingml/2006/main" xmlns="" val="0"/>
-                </a:ext>
-              </a:extLst>
-            </a:blip>
-            <a:stretch>
-              <a:fillRect/>
-            </a:stretch>
-          </p:blipFill>
-          <p:spPr>
-            <a:xfrm>
-              <a:off x="990226" y="3957828"/>
-              <a:ext cx="8638406" cy="2587174"/>
-            </a:xfrm>
-            <a:prstGeom prst="rect">
-              <a:avLst/>
-            </a:prstGeom>
-          </p:spPr>
-        </p:pic>
-        <p:pic>
-          <p:nvPicPr>
-            <p:cNvPr id="1026" name="Picture 2" descr="https://lh4.googleusercontent.com/ficbqIVENTilTlOA-x2h1NIR0Zc0eDfMiy9SnNcs_6HA9f-ZBMFpAfMX88bPjaTpVn2U6lWoikFOFb9eDGlApJxeqjgE9rrXifL-e0GEVgetfwsP7vVHUI3C4uJPb1tvCUjkT2ZC"/>
-            <p:cNvPicPr>
-              <a:picLocks noChangeAspect="1" noChangeArrowheads="1"/>
-            </p:cNvPicPr>
-            <p:nvPr/>
-          </p:nvPicPr>
-          <p:blipFill rotWithShape="1">
-            <a:blip r:embed="rId3">
-              <a:extLst>
-                <a:ext uri="{28A0092B-C50C-407E-A947-70E740481C1C}">
-                  <a14:useLocalDpi xmlns:a14="http://schemas.microsoft.com/office/drawing/2010/main" xmlns:p="http://schemas.openxmlformats.org/presentationml/2006/main" xmlns:r="http://schemas.openxmlformats.org/officeDocument/2006/relationships" xmlns:a="http://schemas.openxmlformats.org/drawingml/2006/main" xmlns="" val="0"/>
-                </a:ext>
-              </a:extLst>
-            </a:blip>
-            <a:srcRect l="10173" t="25723"/>
-            <a:stretch/>
-          </p:blipFill>
-          <p:spPr bwMode="auto">
-            <a:xfrm>
-              <a:off x="990226" y="293605"/>
-              <a:ext cx="8743676" cy="3284063"/>
-            </a:xfrm>
-            <a:prstGeom prst="rect">
-              <a:avLst/>
-            </a:prstGeom>
-            <a:noFill/>
+      <p:sp>
+        <p:nvSpPr>
+          <p:cNvPr id="35" name="Rectangle 34">
             <a:extLst>
-              <a:ext uri="{909E8E84-426E-40DD-AFC4-6F175D3DCCD1}">
-                <a14:hiddenFill xmlns:a14="http://schemas.microsoft.com/office/drawing/2010/main" xmlns:p="http://schemas.openxmlformats.org/presentationml/2006/main" xmlns:r="http://schemas.openxmlformats.org/officeDocument/2006/relationships" xmlns:a="http://schemas.openxmlformats.org/drawingml/2006/main" xmlns="">
-                  <a:solidFill>
-                    <a:srgbClr val="FFFFFF"/>
-                  </a:solidFill>
-                </a14:hiddenFill>
+              <a:ext uri="{FF2B5EF4-FFF2-40B4-BE49-F238E27FC236}">
+                <a16:creationId xmlns:a16="http://schemas.microsoft.com/office/drawing/2014/main" id="{BDFCD606-A6BB-4513-825A-CB4B37954A53}"/>
               </a:ext>
             </a:extLst>
-          </p:spPr>
-        </p:pic>
-        <p:sp>
-          <p:nvSpPr>
-            <p:cNvPr id="5" name="Flowchart: Connector 4"/>
-            <p:cNvSpPr/>
-            <p:nvPr/>
-          </p:nvSpPr>
-          <p:spPr>
-            <a:xfrm>
-              <a:off x="4617934" y="4286434"/>
-              <a:ext cx="256032" cy="265176"/>
-            </a:xfrm>
-            <a:prstGeom prst="flowChartConnector">
-              <a:avLst/>
-            </a:prstGeom>
-          </p:spPr>
-          <p:style>
-            <a:lnRef idx="2">
+          </p:cNvPr>
+          <p:cNvSpPr/>
+          <p:nvPr/>
+        </p:nvSpPr>
+        <p:spPr>
+          <a:xfrm>
+            <a:off x="1914102" y="1011214"/>
+            <a:ext cx="8360202" cy="1815874"/>
+          </a:xfrm>
+          <a:prstGeom prst="rect">
+            <a:avLst/>
+          </a:prstGeom>
+          <a:noFill/>
+          <a:ln w="31750">
+            <a:solidFill>
+              <a:srgbClr val="C00000"/>
+            </a:solidFill>
+            <a:prstDash val="sysDash"/>
+          </a:ln>
+        </p:spPr>
+        <p:style>
+          <a:lnRef idx="2">
+            <a:schemeClr val="accent1">
+              <a:shade val="50000"/>
+            </a:schemeClr>
+          </a:lnRef>
+          <a:fillRef idx="1">
+            <a:schemeClr val="accent1"/>
+          </a:fillRef>
+          <a:effectRef idx="0">
+            <a:schemeClr val="accent1"/>
+          </a:effectRef>
+          <a:fontRef idx="minor">
+            <a:schemeClr val="lt1"/>
+          </a:fontRef>
+        </p:style>
+        <p:txBody>
+          <a:bodyPr rtlCol="0" anchor="ctr"/>
+          <a:lstStyle/>
+          <a:p>
+            <a:pPr algn="ctr"/>
+            <a:endParaRPr lang="en-US"/>
+          </a:p>
+        </p:txBody>
+      </p:sp>
+      <p:sp>
+        <p:nvSpPr>
+          <p:cNvPr id="25" name="Rectangle 24">
+            <a:extLst>
+              <a:ext uri="{FF2B5EF4-FFF2-40B4-BE49-F238E27FC236}">
+                <a16:creationId xmlns:a16="http://schemas.microsoft.com/office/drawing/2014/main" id="{1271EE17-1AFF-4DCB-BF0B-7A50E271051C}"/>
+              </a:ext>
+            </a:extLst>
+          </p:cNvPr>
+          <p:cNvSpPr/>
+          <p:nvPr/>
+        </p:nvSpPr>
+        <p:spPr>
+          <a:xfrm>
+            <a:off x="6731863" y="1217216"/>
+            <a:ext cx="3035809" cy="1324533"/>
+          </a:xfrm>
+          <a:prstGeom prst="rect">
+            <a:avLst/>
+          </a:prstGeom>
+          <a:solidFill>
+            <a:schemeClr val="bg2">
+              <a:lumMod val="75000"/>
+            </a:schemeClr>
+          </a:solidFill>
+          <a:ln w="38100">
+            <a:solidFill>
+              <a:schemeClr val="bg2">
+                <a:lumMod val="25000"/>
+              </a:schemeClr>
+            </a:solidFill>
+          </a:ln>
+        </p:spPr>
+        <p:style>
+          <a:lnRef idx="2">
+            <a:schemeClr val="accent1">
+              <a:shade val="50000"/>
+            </a:schemeClr>
+          </a:lnRef>
+          <a:fillRef idx="1">
+            <a:schemeClr val="accent1"/>
+          </a:fillRef>
+          <a:effectRef idx="0">
+            <a:schemeClr val="accent1"/>
+          </a:effectRef>
+          <a:fontRef idx="minor">
+            <a:schemeClr val="lt1"/>
+          </a:fontRef>
+        </p:style>
+        <p:txBody>
+          <a:bodyPr rtlCol="0" anchor="ctr"/>
+          <a:lstStyle/>
+          <a:p>
+            <a:pPr algn="ctr"/>
+            <a:endParaRPr lang="en-US" dirty="0">
+              <a:solidFill>
+                <a:schemeClr val="tx1"/>
+              </a:solidFill>
+            </a:endParaRPr>
+          </a:p>
+        </p:txBody>
+      </p:sp>
+      <p:pic>
+        <p:nvPicPr>
+          <p:cNvPr id="4" name="Picture 3"/>
+          <p:cNvPicPr>
+            <a:picLocks noChangeAspect="1"/>
+          </p:cNvPicPr>
+          <p:nvPr/>
+        </p:nvPicPr>
+        <p:blipFill>
+          <a:blip r:embed="rId2">
+            <a:extLst>
+              <a:ext uri="{28A0092B-C50C-407E-A947-70E740481C1C}">
+                <a14:useLocalDpi xmlns:a14="http://schemas.microsoft.com/office/drawing/2010/main" val="0"/>
+              </a:ext>
+            </a:extLst>
+          </a:blip>
+          <a:stretch>
+            <a:fillRect/>
+          </a:stretch>
+        </p:blipFill>
+        <p:spPr>
+          <a:xfrm>
+            <a:off x="556718" y="3383088"/>
+            <a:ext cx="9180305" cy="2749471"/>
+          </a:xfrm>
+          <a:prstGeom prst="rect">
+            <a:avLst/>
+          </a:prstGeom>
+        </p:spPr>
+      </p:pic>
+      <p:sp>
+        <p:nvSpPr>
+          <p:cNvPr id="5" name="Flowchart: Connector 4"/>
+          <p:cNvSpPr/>
+          <p:nvPr/>
+        </p:nvSpPr>
+        <p:spPr>
+          <a:xfrm>
+            <a:off x="4114662" y="3427387"/>
+            <a:ext cx="256032" cy="265176"/>
+          </a:xfrm>
+          <a:prstGeom prst="flowChartConnector">
+            <a:avLst/>
+          </a:prstGeom>
+        </p:spPr>
+        <p:style>
+          <a:lnRef idx="2">
+            <a:schemeClr val="accent4">
+              <a:shade val="50000"/>
+            </a:schemeClr>
+          </a:lnRef>
+          <a:fillRef idx="1">
+            <a:schemeClr val="accent4"/>
+          </a:fillRef>
+          <a:effectRef idx="0">
+            <a:schemeClr val="accent4"/>
+          </a:effectRef>
+          <a:fontRef idx="minor">
+            <a:schemeClr val="lt1"/>
+          </a:fontRef>
+        </p:style>
+        <p:txBody>
+          <a:bodyPr rtlCol="0" anchor="ctr"/>
+          <a:lstStyle/>
+          <a:p>
+            <a:pPr algn="ctr"/>
+            <a:r>
+              <a:rPr lang="en-US" dirty="0">
+                <a:solidFill>
+                  <a:schemeClr val="tx1"/>
+                </a:solidFill>
+              </a:rPr>
+              <a:t>1</a:t>
+            </a:r>
+          </a:p>
+        </p:txBody>
+      </p:sp>
+      <p:sp>
+        <p:nvSpPr>
+          <p:cNvPr id="7" name="Flowchart: Connector 6"/>
+          <p:cNvSpPr/>
+          <p:nvPr/>
+        </p:nvSpPr>
+        <p:spPr>
+          <a:xfrm>
+            <a:off x="4465769" y="3427387"/>
+            <a:ext cx="256032" cy="265176"/>
+          </a:xfrm>
+          <a:prstGeom prst="flowChartConnector">
+            <a:avLst/>
+          </a:prstGeom>
+        </p:spPr>
+        <p:style>
+          <a:lnRef idx="2">
+            <a:schemeClr val="accent4">
+              <a:shade val="50000"/>
+            </a:schemeClr>
+          </a:lnRef>
+          <a:fillRef idx="1">
+            <a:schemeClr val="accent4"/>
+          </a:fillRef>
+          <a:effectRef idx="0">
+            <a:schemeClr val="accent4"/>
+          </a:effectRef>
+          <a:fontRef idx="minor">
+            <a:schemeClr val="lt1"/>
+          </a:fontRef>
+        </p:style>
+        <p:txBody>
+          <a:bodyPr rtlCol="0" anchor="ctr"/>
+          <a:lstStyle/>
+          <a:p>
+            <a:pPr algn="ctr"/>
+            <a:r>
+              <a:rPr lang="en-US" dirty="0">
+                <a:solidFill>
+                  <a:schemeClr val="tx1"/>
+                </a:solidFill>
+              </a:rPr>
+              <a:t>2</a:t>
+            </a:r>
+          </a:p>
+        </p:txBody>
+      </p:sp>
+      <p:sp>
+        <p:nvSpPr>
+          <p:cNvPr id="8" name="Flowchart: Connector 7"/>
+          <p:cNvSpPr/>
+          <p:nvPr/>
+        </p:nvSpPr>
+        <p:spPr>
+          <a:xfrm>
+            <a:off x="7786303" y="4676676"/>
+            <a:ext cx="256032" cy="265176"/>
+          </a:xfrm>
+          <a:prstGeom prst="flowChartConnector">
+            <a:avLst/>
+          </a:prstGeom>
+        </p:spPr>
+        <p:style>
+          <a:lnRef idx="2">
+            <a:schemeClr val="accent4">
+              <a:shade val="50000"/>
+            </a:schemeClr>
+          </a:lnRef>
+          <a:fillRef idx="1">
+            <a:schemeClr val="accent4"/>
+          </a:fillRef>
+          <a:effectRef idx="0">
+            <a:schemeClr val="accent4"/>
+          </a:effectRef>
+          <a:fontRef idx="minor">
+            <a:schemeClr val="lt1"/>
+          </a:fontRef>
+        </p:style>
+        <p:txBody>
+          <a:bodyPr rtlCol="0" anchor="ctr"/>
+          <a:lstStyle/>
+          <a:p>
+            <a:pPr algn="ctr"/>
+            <a:r>
+              <a:rPr lang="en-US" dirty="0">
+                <a:solidFill>
+                  <a:schemeClr val="tx1"/>
+                </a:solidFill>
+              </a:rPr>
+              <a:t>3</a:t>
+            </a:r>
+          </a:p>
+        </p:txBody>
+      </p:sp>
+      <p:sp>
+        <p:nvSpPr>
+          <p:cNvPr id="9" name="Flowchart: Connector 8"/>
+          <p:cNvSpPr/>
+          <p:nvPr/>
+        </p:nvSpPr>
+        <p:spPr>
+          <a:xfrm>
+            <a:off x="5975791" y="4148979"/>
+            <a:ext cx="256032" cy="265176"/>
+          </a:xfrm>
+          <a:prstGeom prst="flowChartConnector">
+            <a:avLst/>
+          </a:prstGeom>
+        </p:spPr>
+        <p:style>
+          <a:lnRef idx="2">
+            <a:schemeClr val="accent4">
+              <a:shade val="50000"/>
+            </a:schemeClr>
+          </a:lnRef>
+          <a:fillRef idx="1">
+            <a:schemeClr val="accent4"/>
+          </a:fillRef>
+          <a:effectRef idx="0">
+            <a:schemeClr val="accent4"/>
+          </a:effectRef>
+          <a:fontRef idx="minor">
+            <a:schemeClr val="lt1"/>
+          </a:fontRef>
+        </p:style>
+        <p:txBody>
+          <a:bodyPr rtlCol="0" anchor="ctr"/>
+          <a:lstStyle/>
+          <a:p>
+            <a:pPr algn="ctr"/>
+            <a:r>
+              <a:rPr lang="en-US" dirty="0">
+                <a:solidFill>
+                  <a:schemeClr val="tx1"/>
+                </a:solidFill>
+              </a:rPr>
+              <a:t>4</a:t>
+            </a:r>
+          </a:p>
+        </p:txBody>
+      </p:sp>
+      <p:sp>
+        <p:nvSpPr>
+          <p:cNvPr id="13" name="Flowchart: Connector 12"/>
+          <p:cNvSpPr/>
+          <p:nvPr/>
+        </p:nvSpPr>
+        <p:spPr>
+          <a:xfrm>
+            <a:off x="3271007" y="144126"/>
+            <a:ext cx="256032" cy="265176"/>
+          </a:xfrm>
+          <a:prstGeom prst="flowChartConnector">
+            <a:avLst/>
+          </a:prstGeom>
+        </p:spPr>
+        <p:style>
+          <a:lnRef idx="2">
+            <a:schemeClr val="accent4">
+              <a:shade val="50000"/>
+            </a:schemeClr>
+          </a:lnRef>
+          <a:fillRef idx="1">
+            <a:schemeClr val="accent4"/>
+          </a:fillRef>
+          <a:effectRef idx="0">
+            <a:schemeClr val="accent4"/>
+          </a:effectRef>
+          <a:fontRef idx="minor">
+            <a:schemeClr val="lt1"/>
+          </a:fontRef>
+        </p:style>
+        <p:txBody>
+          <a:bodyPr rtlCol="0" anchor="ctr"/>
+          <a:lstStyle/>
+          <a:p>
+            <a:pPr algn="ctr"/>
+            <a:r>
+              <a:rPr lang="en-US" dirty="0">
+                <a:solidFill>
+                  <a:schemeClr val="tx1"/>
+                </a:solidFill>
+              </a:rPr>
+              <a:t>1</a:t>
+            </a:r>
+          </a:p>
+        </p:txBody>
+      </p:sp>
+      <p:sp>
+        <p:nvSpPr>
+          <p:cNvPr id="15" name="Flowchart: Connector 14"/>
+          <p:cNvSpPr/>
+          <p:nvPr/>
+        </p:nvSpPr>
+        <p:spPr>
+          <a:xfrm>
+            <a:off x="2855932" y="1186721"/>
+            <a:ext cx="256032" cy="265176"/>
+          </a:xfrm>
+          <a:prstGeom prst="flowChartConnector">
+            <a:avLst/>
+          </a:prstGeom>
+        </p:spPr>
+        <p:style>
+          <a:lnRef idx="2">
+            <a:schemeClr val="accent4">
+              <a:shade val="50000"/>
+            </a:schemeClr>
+          </a:lnRef>
+          <a:fillRef idx="1">
+            <a:schemeClr val="accent4"/>
+          </a:fillRef>
+          <a:effectRef idx="0">
+            <a:schemeClr val="accent4"/>
+          </a:effectRef>
+          <a:fontRef idx="minor">
+            <a:schemeClr val="lt1"/>
+          </a:fontRef>
+        </p:style>
+        <p:txBody>
+          <a:bodyPr rtlCol="0" anchor="ctr"/>
+          <a:lstStyle/>
+          <a:p>
+            <a:pPr algn="ctr"/>
+            <a:r>
+              <a:rPr lang="en-US" dirty="0">
+                <a:solidFill>
+                  <a:schemeClr val="tx1"/>
+                </a:solidFill>
+              </a:rPr>
+              <a:t>2</a:t>
+            </a:r>
+          </a:p>
+        </p:txBody>
+      </p:sp>
+      <p:sp>
+        <p:nvSpPr>
+          <p:cNvPr id="16" name="Flowchart: Connector 15"/>
+          <p:cNvSpPr/>
+          <p:nvPr/>
+        </p:nvSpPr>
+        <p:spPr>
+          <a:xfrm>
+            <a:off x="4370694" y="1186721"/>
+            <a:ext cx="256032" cy="265176"/>
+          </a:xfrm>
+          <a:prstGeom prst="flowChartConnector">
+            <a:avLst/>
+          </a:prstGeom>
+        </p:spPr>
+        <p:style>
+          <a:lnRef idx="2">
+            <a:schemeClr val="accent4">
+              <a:shade val="50000"/>
+            </a:schemeClr>
+          </a:lnRef>
+          <a:fillRef idx="1">
+            <a:schemeClr val="accent4"/>
+          </a:fillRef>
+          <a:effectRef idx="0">
+            <a:schemeClr val="accent4"/>
+          </a:effectRef>
+          <a:fontRef idx="minor">
+            <a:schemeClr val="lt1"/>
+          </a:fontRef>
+        </p:style>
+        <p:txBody>
+          <a:bodyPr rtlCol="0" anchor="ctr"/>
+          <a:lstStyle/>
+          <a:p>
+            <a:pPr algn="ctr"/>
+            <a:r>
+              <a:rPr lang="en-US" dirty="0">
+                <a:solidFill>
+                  <a:schemeClr val="tx1"/>
+                </a:solidFill>
+              </a:rPr>
+              <a:t>3</a:t>
+            </a:r>
+          </a:p>
+        </p:txBody>
+      </p:sp>
+      <p:sp>
+        <p:nvSpPr>
+          <p:cNvPr id="17" name="Flowchart: Connector 16"/>
+          <p:cNvSpPr/>
+          <p:nvPr/>
+        </p:nvSpPr>
+        <p:spPr>
+          <a:xfrm>
+            <a:off x="5960720" y="1184137"/>
+            <a:ext cx="256032" cy="265176"/>
+          </a:xfrm>
+          <a:prstGeom prst="flowChartConnector">
+            <a:avLst/>
+          </a:prstGeom>
+        </p:spPr>
+        <p:style>
+          <a:lnRef idx="2">
+            <a:schemeClr val="accent4">
+              <a:shade val="50000"/>
+            </a:schemeClr>
+          </a:lnRef>
+          <a:fillRef idx="1">
+            <a:schemeClr val="accent4"/>
+          </a:fillRef>
+          <a:effectRef idx="0">
+            <a:schemeClr val="accent4"/>
+          </a:effectRef>
+          <a:fontRef idx="minor">
+            <a:schemeClr val="lt1"/>
+          </a:fontRef>
+        </p:style>
+        <p:txBody>
+          <a:bodyPr rtlCol="0" anchor="ctr"/>
+          <a:lstStyle/>
+          <a:p>
+            <a:pPr algn="ctr"/>
+            <a:r>
+              <a:rPr lang="en-US" dirty="0">
+                <a:solidFill>
+                  <a:schemeClr val="tx1"/>
+                </a:solidFill>
+              </a:rPr>
+              <a:t>4</a:t>
+            </a:r>
+          </a:p>
+        </p:txBody>
+      </p:sp>
+      <p:sp>
+        <p:nvSpPr>
+          <p:cNvPr id="18" name="Flowchart: Connector 17"/>
+          <p:cNvSpPr/>
+          <p:nvPr/>
+        </p:nvSpPr>
+        <p:spPr>
+          <a:xfrm>
+            <a:off x="9833416" y="1188043"/>
+            <a:ext cx="256032" cy="265176"/>
+          </a:xfrm>
+          <a:prstGeom prst="flowChartConnector">
+            <a:avLst/>
+          </a:prstGeom>
+        </p:spPr>
+        <p:style>
+          <a:lnRef idx="2">
+            <a:schemeClr val="accent4">
+              <a:shade val="50000"/>
+            </a:schemeClr>
+          </a:lnRef>
+          <a:fillRef idx="1">
+            <a:schemeClr val="accent4"/>
+          </a:fillRef>
+          <a:effectRef idx="0">
+            <a:schemeClr val="accent4"/>
+          </a:effectRef>
+          <a:fontRef idx="minor">
+            <a:schemeClr val="lt1"/>
+          </a:fontRef>
+        </p:style>
+        <p:txBody>
+          <a:bodyPr rtlCol="0" anchor="ctr"/>
+          <a:lstStyle/>
+          <a:p>
+            <a:pPr algn="ctr"/>
+            <a:r>
+              <a:rPr lang="en-US" dirty="0">
+                <a:solidFill>
+                  <a:schemeClr val="tx1"/>
+                </a:solidFill>
+              </a:rPr>
+              <a:t>5</a:t>
+            </a:r>
+          </a:p>
+        </p:txBody>
+      </p:sp>
+      <p:sp>
+        <p:nvSpPr>
+          <p:cNvPr id="6" name="Rectangle 5">
+            <a:extLst>
+              <a:ext uri="{FF2B5EF4-FFF2-40B4-BE49-F238E27FC236}">
+                <a16:creationId xmlns:a16="http://schemas.microsoft.com/office/drawing/2014/main" id="{F7A600BE-842A-4F0B-A5B5-D78E54F71D16}"/>
+              </a:ext>
+            </a:extLst>
+          </p:cNvPr>
+          <p:cNvSpPr/>
+          <p:nvPr/>
+        </p:nvSpPr>
+        <p:spPr>
+          <a:xfrm>
+            <a:off x="2170363" y="86868"/>
+            <a:ext cx="1030224" cy="688848"/>
+          </a:xfrm>
+          <a:prstGeom prst="rect">
+            <a:avLst/>
+          </a:prstGeom>
+          <a:solidFill>
+            <a:schemeClr val="accent2"/>
+          </a:solidFill>
+          <a:ln w="38100">
+            <a:solidFill>
+              <a:schemeClr val="accent2">
+                <a:lumMod val="50000"/>
+              </a:schemeClr>
+            </a:solidFill>
+          </a:ln>
+        </p:spPr>
+        <p:style>
+          <a:lnRef idx="2">
+            <a:schemeClr val="accent1">
+              <a:shade val="50000"/>
+            </a:schemeClr>
+          </a:lnRef>
+          <a:fillRef idx="1">
+            <a:schemeClr val="accent1"/>
+          </a:fillRef>
+          <a:effectRef idx="0">
+            <a:schemeClr val="accent1"/>
+          </a:effectRef>
+          <a:fontRef idx="minor">
+            <a:schemeClr val="lt1"/>
+          </a:fontRef>
+        </p:style>
+        <p:txBody>
+          <a:bodyPr rtlCol="0" anchor="ctr"/>
+          <a:lstStyle/>
+          <a:p>
+            <a:pPr algn="ctr"/>
+            <a:r>
+              <a:rPr lang="en-US" dirty="0">
+                <a:solidFill>
+                  <a:schemeClr val="tx1"/>
+                </a:solidFill>
+              </a:rPr>
+              <a:t>Scene Gen.</a:t>
+            </a:r>
+          </a:p>
+        </p:txBody>
+      </p:sp>
+      <p:sp>
+        <p:nvSpPr>
+          <p:cNvPr id="20" name="Rectangle 19">
+            <a:extLst>
+              <a:ext uri="{FF2B5EF4-FFF2-40B4-BE49-F238E27FC236}">
+                <a16:creationId xmlns:a16="http://schemas.microsoft.com/office/drawing/2014/main" id="{3F1F1304-E512-443E-B799-1EEB0A1ED1B3}"/>
+              </a:ext>
+            </a:extLst>
+          </p:cNvPr>
+          <p:cNvSpPr/>
+          <p:nvPr/>
+        </p:nvSpPr>
+        <p:spPr>
+          <a:xfrm>
+            <a:off x="2170363" y="1533501"/>
+            <a:ext cx="1030224" cy="688848"/>
+          </a:xfrm>
+          <a:prstGeom prst="rect">
+            <a:avLst/>
+          </a:prstGeom>
+          <a:ln w="38100"/>
+        </p:spPr>
+        <p:style>
+          <a:lnRef idx="2">
+            <a:schemeClr val="accent1">
+              <a:shade val="50000"/>
+            </a:schemeClr>
+          </a:lnRef>
+          <a:fillRef idx="1">
+            <a:schemeClr val="accent1"/>
+          </a:fillRef>
+          <a:effectRef idx="0">
+            <a:schemeClr val="accent1"/>
+          </a:effectRef>
+          <a:fontRef idx="minor">
+            <a:schemeClr val="lt1"/>
+          </a:fontRef>
+        </p:style>
+        <p:txBody>
+          <a:bodyPr rtlCol="0" anchor="ctr"/>
+          <a:lstStyle/>
+          <a:p>
+            <a:pPr algn="ctr"/>
+            <a:r>
+              <a:rPr lang="en-US" dirty="0">
+                <a:solidFill>
+                  <a:schemeClr val="tx1"/>
+                </a:solidFill>
+              </a:rPr>
+              <a:t>NUC</a:t>
+            </a:r>
+          </a:p>
+        </p:txBody>
+      </p:sp>
+      <p:sp>
+        <p:nvSpPr>
+          <p:cNvPr id="21" name="Rectangle 20">
+            <a:extLst>
+              <a:ext uri="{FF2B5EF4-FFF2-40B4-BE49-F238E27FC236}">
+                <a16:creationId xmlns:a16="http://schemas.microsoft.com/office/drawing/2014/main" id="{E1F3CCF5-7EA6-4D53-BF6E-4E4AB0B6538B}"/>
+              </a:ext>
+            </a:extLst>
+          </p:cNvPr>
+          <p:cNvSpPr/>
+          <p:nvPr/>
+        </p:nvSpPr>
+        <p:spPr>
+          <a:xfrm>
+            <a:off x="3691577" y="1533501"/>
+            <a:ext cx="1030224" cy="688848"/>
+          </a:xfrm>
+          <a:prstGeom prst="rect">
+            <a:avLst/>
+          </a:prstGeom>
+          <a:solidFill>
+            <a:schemeClr val="accent6"/>
+          </a:solidFill>
+          <a:ln w="38100">
+            <a:solidFill>
+              <a:schemeClr val="accent6">
+                <a:lumMod val="50000"/>
+              </a:schemeClr>
+            </a:solidFill>
+          </a:ln>
+        </p:spPr>
+        <p:style>
+          <a:lnRef idx="2">
+            <a:schemeClr val="accent1">
+              <a:shade val="50000"/>
+            </a:schemeClr>
+          </a:lnRef>
+          <a:fillRef idx="1">
+            <a:schemeClr val="accent1"/>
+          </a:fillRef>
+          <a:effectRef idx="0">
+            <a:schemeClr val="accent1"/>
+          </a:effectRef>
+          <a:fontRef idx="minor">
+            <a:schemeClr val="lt1"/>
+          </a:fontRef>
+        </p:style>
+        <p:txBody>
+          <a:bodyPr rtlCol="0" anchor="ctr"/>
+          <a:lstStyle/>
+          <a:p>
+            <a:pPr algn="ctr"/>
+            <a:r>
+              <a:rPr lang="en-US" dirty="0">
+                <a:solidFill>
+                  <a:schemeClr val="tx1"/>
+                </a:solidFill>
+              </a:rPr>
+              <a:t>CSE</a:t>
+            </a:r>
+          </a:p>
+        </p:txBody>
+      </p:sp>
+      <p:sp>
+        <p:nvSpPr>
+          <p:cNvPr id="22" name="Rectangle 21">
+            <a:extLst>
+              <a:ext uri="{FF2B5EF4-FFF2-40B4-BE49-F238E27FC236}">
+                <a16:creationId xmlns:a16="http://schemas.microsoft.com/office/drawing/2014/main" id="{52AB8D7E-3F0E-4067-AE66-F2522535C15C}"/>
+              </a:ext>
+            </a:extLst>
+          </p:cNvPr>
+          <p:cNvSpPr/>
+          <p:nvPr/>
+        </p:nvSpPr>
+        <p:spPr>
+          <a:xfrm>
+            <a:off x="5211720" y="1533501"/>
+            <a:ext cx="1030224" cy="688848"/>
+          </a:xfrm>
+          <a:prstGeom prst="rect">
+            <a:avLst/>
+          </a:prstGeom>
+          <a:solidFill>
+            <a:schemeClr val="accent4"/>
+          </a:solidFill>
+          <a:ln w="38100">
+            <a:solidFill>
               <a:schemeClr val="accent4">
-                <a:shade val="50000"/>
+                <a:lumMod val="50000"/>
               </a:schemeClr>
-            </a:lnRef>
-            <a:fillRef idx="1">
-              <a:schemeClr val="accent4"/>
-            </a:fillRef>
-            <a:effectRef idx="0">
-              <a:schemeClr val="accent4"/>
-            </a:effectRef>
-            <a:fontRef idx="minor">
-              <a:schemeClr val="lt1"/>
-            </a:fontRef>
-          </p:style>
-          <p:txBody>
-            <a:bodyPr rtlCol="0" anchor="ctr"/>
-            <a:lstStyle/>
-            <a:p>
-              <a:pPr algn="ctr"/>
-              <a:r>
-                <a:rPr lang="en-US" dirty="0">
-                  <a:solidFill>
-                    <a:schemeClr val="tx1"/>
-                  </a:solidFill>
-                </a:rPr>
-                <a:t>1</a:t>
-              </a:r>
-            </a:p>
-          </p:txBody>
-        </p:sp>
-        <p:sp>
-          <p:nvSpPr>
-            <p:cNvPr id="7" name="Flowchart: Connector 6"/>
-            <p:cNvSpPr/>
-            <p:nvPr/>
-          </p:nvSpPr>
-          <p:spPr>
-            <a:xfrm>
-              <a:off x="4970870" y="4286434"/>
-              <a:ext cx="256032" cy="265176"/>
-            </a:xfrm>
-            <a:prstGeom prst="flowChartConnector">
-              <a:avLst/>
-            </a:prstGeom>
-          </p:spPr>
-          <p:style>
-            <a:lnRef idx="2">
-              <a:schemeClr val="accent4">
-                <a:shade val="50000"/>
+            </a:solidFill>
+          </a:ln>
+        </p:spPr>
+        <p:style>
+          <a:lnRef idx="2">
+            <a:schemeClr val="accent1">
+              <a:shade val="50000"/>
+            </a:schemeClr>
+          </a:lnRef>
+          <a:fillRef idx="1">
+            <a:schemeClr val="accent1"/>
+          </a:fillRef>
+          <a:effectRef idx="0">
+            <a:schemeClr val="accent1"/>
+          </a:effectRef>
+          <a:fontRef idx="minor">
+            <a:schemeClr val="lt1"/>
+          </a:fontRef>
+        </p:style>
+        <p:txBody>
+          <a:bodyPr rtlCol="0" anchor="ctr"/>
+          <a:lstStyle/>
+          <a:p>
+            <a:pPr algn="ctr"/>
+            <a:r>
+              <a:rPr lang="en-US" dirty="0">
+                <a:solidFill>
+                  <a:schemeClr val="tx1"/>
+                </a:solidFill>
+              </a:rPr>
+              <a:t>Dewar</a:t>
+            </a:r>
+          </a:p>
+        </p:txBody>
+      </p:sp>
+      <p:sp>
+        <p:nvSpPr>
+          <p:cNvPr id="23" name="Rectangle 22">
+            <a:extLst>
+              <a:ext uri="{FF2B5EF4-FFF2-40B4-BE49-F238E27FC236}">
+                <a16:creationId xmlns:a16="http://schemas.microsoft.com/office/drawing/2014/main" id="{3394EB50-BF35-43BE-99D6-5E6E0023DDE3}"/>
+              </a:ext>
+            </a:extLst>
+          </p:cNvPr>
+          <p:cNvSpPr/>
+          <p:nvPr/>
+        </p:nvSpPr>
+        <p:spPr>
+          <a:xfrm>
+            <a:off x="6978553" y="1533501"/>
+            <a:ext cx="1030224" cy="688848"/>
+          </a:xfrm>
+          <a:prstGeom prst="rect">
+            <a:avLst/>
+          </a:prstGeom>
+          <a:solidFill>
+            <a:schemeClr val="bg2">
+              <a:lumMod val="50000"/>
+            </a:schemeClr>
+          </a:solidFill>
+          <a:ln>
+            <a:solidFill>
+              <a:schemeClr val="bg2">
+                <a:lumMod val="25000"/>
               </a:schemeClr>
-            </a:lnRef>
-            <a:fillRef idx="1">
-              <a:schemeClr val="accent4"/>
-            </a:fillRef>
-            <a:effectRef idx="0">
-              <a:schemeClr val="accent4"/>
-            </a:effectRef>
-            <a:fontRef idx="minor">
-              <a:schemeClr val="lt1"/>
-            </a:fontRef>
-          </p:style>
-          <p:txBody>
-            <a:bodyPr rtlCol="0" anchor="ctr"/>
-            <a:lstStyle/>
-            <a:p>
-              <a:pPr algn="ctr"/>
-              <a:r>
-                <a:rPr lang="en-US" dirty="0">
-                  <a:solidFill>
-                    <a:schemeClr val="tx1"/>
-                  </a:solidFill>
-                </a:rPr>
-                <a:t>2</a:t>
-              </a:r>
-            </a:p>
-          </p:txBody>
-        </p:sp>
-        <p:sp>
-          <p:nvSpPr>
-            <p:cNvPr id="8" name="Flowchart: Connector 7"/>
-            <p:cNvSpPr/>
-            <p:nvPr/>
-          </p:nvSpPr>
-          <p:spPr>
-            <a:xfrm>
-              <a:off x="7677912" y="5251415"/>
-              <a:ext cx="256032" cy="265176"/>
-            </a:xfrm>
-            <a:prstGeom prst="flowChartConnector">
-              <a:avLst/>
-            </a:prstGeom>
-          </p:spPr>
-          <p:style>
-            <a:lnRef idx="2">
-              <a:schemeClr val="accent4">
-                <a:shade val="50000"/>
+            </a:solidFill>
+          </a:ln>
+        </p:spPr>
+        <p:style>
+          <a:lnRef idx="2">
+            <a:schemeClr val="accent1">
+              <a:shade val="50000"/>
+            </a:schemeClr>
+          </a:lnRef>
+          <a:fillRef idx="1">
+            <a:schemeClr val="accent1"/>
+          </a:fillRef>
+          <a:effectRef idx="0">
+            <a:schemeClr val="accent1"/>
+          </a:effectRef>
+          <a:fontRef idx="minor">
+            <a:schemeClr val="lt1"/>
+          </a:fontRef>
+        </p:style>
+        <p:txBody>
+          <a:bodyPr rtlCol="0" anchor="ctr"/>
+          <a:lstStyle/>
+          <a:p>
+            <a:pPr algn="ctr"/>
+            <a:r>
+              <a:rPr lang="en-US" dirty="0">
+                <a:solidFill>
+                  <a:schemeClr val="tx1"/>
+                </a:solidFill>
+              </a:rPr>
+              <a:t>RIIC</a:t>
+            </a:r>
+          </a:p>
+        </p:txBody>
+      </p:sp>
+      <p:sp>
+        <p:nvSpPr>
+          <p:cNvPr id="24" name="Rectangle 23">
+            <a:extLst>
+              <a:ext uri="{FF2B5EF4-FFF2-40B4-BE49-F238E27FC236}">
+                <a16:creationId xmlns:a16="http://schemas.microsoft.com/office/drawing/2014/main" id="{816BB1A3-2DDB-4195-987D-BBE6D0F83F58}"/>
+              </a:ext>
+            </a:extLst>
+          </p:cNvPr>
+          <p:cNvSpPr/>
+          <p:nvPr/>
+        </p:nvSpPr>
+        <p:spPr>
+          <a:xfrm>
+            <a:off x="8431692" y="1533501"/>
+            <a:ext cx="1030224" cy="688848"/>
+          </a:xfrm>
+          <a:prstGeom prst="rect">
+            <a:avLst/>
+          </a:prstGeom>
+          <a:solidFill>
+            <a:schemeClr val="bg2">
+              <a:lumMod val="50000"/>
+            </a:schemeClr>
+          </a:solidFill>
+          <a:ln>
+            <a:solidFill>
+              <a:schemeClr val="bg2">
+                <a:lumMod val="25000"/>
               </a:schemeClr>
-            </a:lnRef>
-            <a:fillRef idx="1">
-              <a:schemeClr val="accent4"/>
-            </a:fillRef>
-            <a:effectRef idx="0">
-              <a:schemeClr val="accent4"/>
-            </a:effectRef>
-            <a:fontRef idx="minor">
-              <a:schemeClr val="lt1"/>
-            </a:fontRef>
-          </p:style>
-          <p:txBody>
-            <a:bodyPr rtlCol="0" anchor="ctr"/>
-            <a:lstStyle/>
-            <a:p>
-              <a:pPr algn="ctr"/>
-              <a:r>
-                <a:rPr lang="en-US" dirty="0">
-                  <a:solidFill>
-                    <a:schemeClr val="tx1"/>
-                  </a:solidFill>
-                </a:rPr>
-                <a:t>3</a:t>
-              </a:r>
-            </a:p>
-          </p:txBody>
-        </p:sp>
-        <p:sp>
-          <p:nvSpPr>
-            <p:cNvPr id="9" name="Flowchart: Connector 8"/>
-            <p:cNvSpPr/>
-            <p:nvPr/>
-          </p:nvSpPr>
-          <p:spPr>
-            <a:xfrm>
-              <a:off x="5867400" y="4723718"/>
-              <a:ext cx="256032" cy="265176"/>
-            </a:xfrm>
-            <a:prstGeom prst="flowChartConnector">
-              <a:avLst/>
-            </a:prstGeom>
-          </p:spPr>
-          <p:style>
-            <a:lnRef idx="2">
-              <a:schemeClr val="accent4">
-                <a:shade val="50000"/>
-              </a:schemeClr>
-            </a:lnRef>
-            <a:fillRef idx="1">
-              <a:schemeClr val="accent4"/>
-            </a:fillRef>
-            <a:effectRef idx="0">
-              <a:schemeClr val="accent4"/>
-            </a:effectRef>
-            <a:fontRef idx="minor">
-              <a:schemeClr val="lt1"/>
-            </a:fontRef>
-          </p:style>
-          <p:txBody>
-            <a:bodyPr rtlCol="0" anchor="ctr"/>
-            <a:lstStyle/>
-            <a:p>
-              <a:pPr algn="ctr"/>
-              <a:r>
-                <a:rPr lang="en-US" dirty="0">
-                  <a:solidFill>
-                    <a:schemeClr val="tx1"/>
-                  </a:solidFill>
-                </a:rPr>
-                <a:t>4</a:t>
-              </a:r>
-            </a:p>
-          </p:txBody>
-        </p:sp>
-        <p:cxnSp>
-          <p:nvCxnSpPr>
-            <p:cNvPr id="10" name="Straight Arrow Connector 9"/>
-            <p:cNvCxnSpPr/>
-            <p:nvPr/>
-          </p:nvCxnSpPr>
-          <p:spPr>
-            <a:xfrm flipV="1">
-              <a:off x="4996936" y="4985163"/>
-              <a:ext cx="203900" cy="266252"/>
-            </a:xfrm>
-            <a:prstGeom prst="straightConnector1">
-              <a:avLst/>
-            </a:prstGeom>
-            <a:ln w="28575">
-              <a:solidFill>
-                <a:srgbClr val="FF0000"/>
-              </a:solidFill>
-              <a:tailEnd type="triangle"/>
-            </a:ln>
-          </p:spPr>
-          <p:style>
-            <a:lnRef idx="1">
-              <a:schemeClr val="accent1"/>
-            </a:lnRef>
-            <a:fillRef idx="0">
-              <a:schemeClr val="accent1"/>
-            </a:fillRef>
-            <a:effectRef idx="0">
-              <a:schemeClr val="accent1"/>
-            </a:effectRef>
-            <a:fontRef idx="minor">
+            </a:solidFill>
+          </a:ln>
+        </p:spPr>
+        <p:style>
+          <a:lnRef idx="2">
+            <a:schemeClr val="accent1">
+              <a:shade val="50000"/>
+            </a:schemeClr>
+          </a:lnRef>
+          <a:fillRef idx="1">
+            <a:schemeClr val="accent1"/>
+          </a:fillRef>
+          <a:effectRef idx="0">
+            <a:schemeClr val="accent1"/>
+          </a:effectRef>
+          <a:fontRef idx="minor">
+            <a:schemeClr val="lt1"/>
+          </a:fontRef>
+        </p:style>
+        <p:txBody>
+          <a:bodyPr rtlCol="0" anchor="ctr"/>
+          <a:lstStyle/>
+          <a:p>
+            <a:pPr algn="ctr"/>
+            <a:r>
+              <a:rPr lang="en-US" dirty="0">
+                <a:solidFill>
+                  <a:schemeClr val="tx1"/>
+                </a:solidFill>
+              </a:rPr>
+              <a:t>IRLED Array</a:t>
+            </a:r>
+          </a:p>
+        </p:txBody>
+      </p:sp>
+      <p:cxnSp>
+        <p:nvCxnSpPr>
+          <p:cNvPr id="14" name="Straight Arrow Connector 13">
+            <a:extLst>
+              <a:ext uri="{FF2B5EF4-FFF2-40B4-BE49-F238E27FC236}">
+                <a16:creationId xmlns:a16="http://schemas.microsoft.com/office/drawing/2014/main" id="{F5E3D1C8-0D03-4964-BD86-7E31957A8637}"/>
+              </a:ext>
+            </a:extLst>
+          </p:cNvPr>
+          <p:cNvCxnSpPr>
+            <a:cxnSpLocks/>
+            <a:stCxn id="20" idx="3"/>
+            <a:endCxn id="21" idx="1"/>
+          </p:cNvCxnSpPr>
+          <p:nvPr/>
+        </p:nvCxnSpPr>
+        <p:spPr>
+          <a:xfrm>
+            <a:off x="3200587" y="1877925"/>
+            <a:ext cx="490990" cy="0"/>
+          </a:xfrm>
+          <a:prstGeom prst="straightConnector1">
+            <a:avLst/>
+          </a:prstGeom>
+          <a:ln w="41275">
+            <a:solidFill>
               <a:schemeClr val="tx1"/>
-            </a:fontRef>
-          </p:style>
-        </p:cxnSp>
-        <p:sp>
-          <p:nvSpPr>
-            <p:cNvPr id="13" name="Flowchart: Connector 12"/>
-            <p:cNvSpPr/>
-            <p:nvPr/>
-          </p:nvSpPr>
-          <p:spPr>
-            <a:xfrm>
-              <a:off x="2461576" y="673764"/>
-              <a:ext cx="256032" cy="265176"/>
-            </a:xfrm>
-            <a:prstGeom prst="flowChartConnector">
-              <a:avLst/>
-            </a:prstGeom>
-          </p:spPr>
-          <p:style>
-            <a:lnRef idx="2">
-              <a:schemeClr val="accent4">
-                <a:shade val="50000"/>
-              </a:schemeClr>
-            </a:lnRef>
-            <a:fillRef idx="1">
-              <a:schemeClr val="accent4"/>
-            </a:fillRef>
-            <a:effectRef idx="0">
-              <a:schemeClr val="accent4"/>
-            </a:effectRef>
-            <a:fontRef idx="minor">
-              <a:schemeClr val="lt1"/>
-            </a:fontRef>
-          </p:style>
-          <p:txBody>
-            <a:bodyPr rtlCol="0" anchor="ctr"/>
-            <a:lstStyle/>
-            <a:p>
-              <a:pPr algn="ctr"/>
-              <a:r>
-                <a:rPr lang="en-US" dirty="0">
-                  <a:solidFill>
-                    <a:schemeClr val="tx1"/>
-                  </a:solidFill>
-                </a:rPr>
-                <a:t>1</a:t>
-              </a:r>
-            </a:p>
-          </p:txBody>
-        </p:sp>
-        <p:sp>
-          <p:nvSpPr>
-            <p:cNvPr id="15" name="Flowchart: Connector 14"/>
-            <p:cNvSpPr/>
-            <p:nvPr/>
-          </p:nvSpPr>
-          <p:spPr>
-            <a:xfrm>
-              <a:off x="2060448" y="1670460"/>
-              <a:ext cx="256032" cy="265176"/>
-            </a:xfrm>
-            <a:prstGeom prst="flowChartConnector">
-              <a:avLst/>
-            </a:prstGeom>
-          </p:spPr>
-          <p:style>
-            <a:lnRef idx="2">
-              <a:schemeClr val="accent4">
-                <a:shade val="50000"/>
-              </a:schemeClr>
-            </a:lnRef>
-            <a:fillRef idx="1">
-              <a:schemeClr val="accent4"/>
-            </a:fillRef>
-            <a:effectRef idx="0">
-              <a:schemeClr val="accent4"/>
-            </a:effectRef>
-            <a:fontRef idx="minor">
-              <a:schemeClr val="lt1"/>
-            </a:fontRef>
-          </p:style>
-          <p:txBody>
-            <a:bodyPr rtlCol="0" anchor="ctr"/>
-            <a:lstStyle/>
-            <a:p>
-              <a:pPr algn="ctr"/>
-              <a:r>
-                <a:rPr lang="en-US" dirty="0">
-                  <a:solidFill>
-                    <a:schemeClr val="tx1"/>
-                  </a:solidFill>
-                </a:rPr>
-                <a:t>2</a:t>
-              </a:r>
-            </a:p>
-          </p:txBody>
-        </p:sp>
-        <p:sp>
-          <p:nvSpPr>
-            <p:cNvPr id="16" name="Flowchart: Connector 15"/>
-            <p:cNvSpPr/>
-            <p:nvPr/>
-          </p:nvSpPr>
-          <p:spPr>
-            <a:xfrm>
-              <a:off x="3560696" y="1670460"/>
-              <a:ext cx="256032" cy="265176"/>
-            </a:xfrm>
-            <a:prstGeom prst="flowChartConnector">
-              <a:avLst/>
-            </a:prstGeom>
-          </p:spPr>
-          <p:style>
-            <a:lnRef idx="2">
-              <a:schemeClr val="accent4">
-                <a:shade val="50000"/>
-              </a:schemeClr>
-            </a:lnRef>
-            <a:fillRef idx="1">
-              <a:schemeClr val="accent4"/>
-            </a:fillRef>
-            <a:effectRef idx="0">
-              <a:schemeClr val="accent4"/>
-            </a:effectRef>
-            <a:fontRef idx="minor">
-              <a:schemeClr val="lt1"/>
-            </a:fontRef>
-          </p:style>
-          <p:txBody>
-            <a:bodyPr rtlCol="0" anchor="ctr"/>
-            <a:lstStyle/>
-            <a:p>
-              <a:pPr algn="ctr"/>
-              <a:r>
-                <a:rPr lang="en-US" dirty="0">
-                  <a:solidFill>
-                    <a:schemeClr val="tx1"/>
-                  </a:solidFill>
-                </a:rPr>
-                <a:t>3</a:t>
-              </a:r>
-            </a:p>
-          </p:txBody>
-        </p:sp>
-        <p:sp>
-          <p:nvSpPr>
-            <p:cNvPr id="17" name="Flowchart: Connector 16"/>
-            <p:cNvSpPr/>
-            <p:nvPr/>
-          </p:nvSpPr>
-          <p:spPr>
-            <a:xfrm>
-              <a:off x="5098886" y="1715549"/>
-              <a:ext cx="256032" cy="265176"/>
-            </a:xfrm>
-            <a:prstGeom prst="flowChartConnector">
-              <a:avLst/>
-            </a:prstGeom>
-          </p:spPr>
-          <p:style>
-            <a:lnRef idx="2">
-              <a:schemeClr val="accent4">
-                <a:shade val="50000"/>
-              </a:schemeClr>
-            </a:lnRef>
-            <a:fillRef idx="1">
-              <a:schemeClr val="accent4"/>
-            </a:fillRef>
-            <a:effectRef idx="0">
-              <a:schemeClr val="accent4"/>
-            </a:effectRef>
-            <a:fontRef idx="minor">
-              <a:schemeClr val="lt1"/>
-            </a:fontRef>
-          </p:style>
-          <p:txBody>
-            <a:bodyPr rtlCol="0" anchor="ctr"/>
-            <a:lstStyle/>
-            <a:p>
-              <a:pPr algn="ctr"/>
-              <a:r>
-                <a:rPr lang="en-US" dirty="0">
-                  <a:solidFill>
-                    <a:schemeClr val="tx1"/>
-                  </a:solidFill>
-                </a:rPr>
-                <a:t>4</a:t>
-              </a:r>
-            </a:p>
-          </p:txBody>
-        </p:sp>
-        <p:sp>
-          <p:nvSpPr>
-            <p:cNvPr id="18" name="Flowchart: Connector 17"/>
-            <p:cNvSpPr/>
-            <p:nvPr/>
-          </p:nvSpPr>
-          <p:spPr>
-            <a:xfrm>
-              <a:off x="8671142" y="1803048"/>
-              <a:ext cx="256032" cy="265176"/>
-            </a:xfrm>
-            <a:prstGeom prst="flowChartConnector">
-              <a:avLst/>
-            </a:prstGeom>
-          </p:spPr>
-          <p:style>
-            <a:lnRef idx="2">
-              <a:schemeClr val="accent4">
-                <a:shade val="50000"/>
-              </a:schemeClr>
-            </a:lnRef>
-            <a:fillRef idx="1">
-              <a:schemeClr val="accent4"/>
-            </a:fillRef>
-            <a:effectRef idx="0">
-              <a:schemeClr val="accent4"/>
-            </a:effectRef>
-            <a:fontRef idx="minor">
-              <a:schemeClr val="lt1"/>
-            </a:fontRef>
-          </p:style>
-          <p:txBody>
-            <a:bodyPr rtlCol="0" anchor="ctr"/>
-            <a:lstStyle/>
-            <a:p>
-              <a:pPr algn="ctr"/>
-              <a:r>
-                <a:rPr lang="en-US" dirty="0">
-                  <a:solidFill>
-                    <a:schemeClr val="tx1"/>
-                  </a:solidFill>
-                </a:rPr>
-                <a:t>5</a:t>
-              </a:r>
-            </a:p>
-          </p:txBody>
-        </p:sp>
-        <p:sp>
-          <p:nvSpPr>
-            <p:cNvPr id="19" name="Flowchart: Connector 18"/>
-            <p:cNvSpPr/>
-            <p:nvPr/>
-          </p:nvSpPr>
-          <p:spPr>
-            <a:xfrm>
-              <a:off x="4842854" y="5251415"/>
-              <a:ext cx="256032" cy="265176"/>
-            </a:xfrm>
-            <a:prstGeom prst="flowChartConnector">
-              <a:avLst/>
-            </a:prstGeom>
-          </p:spPr>
-          <p:style>
-            <a:lnRef idx="2">
-              <a:schemeClr val="accent4">
-                <a:shade val="50000"/>
-              </a:schemeClr>
-            </a:lnRef>
-            <a:fillRef idx="1">
-              <a:schemeClr val="accent4"/>
-            </a:fillRef>
-            <a:effectRef idx="0">
-              <a:schemeClr val="accent4"/>
-            </a:effectRef>
-            <a:fontRef idx="minor">
-              <a:schemeClr val="lt1"/>
-            </a:fontRef>
-          </p:style>
-          <p:txBody>
-            <a:bodyPr rtlCol="0" anchor="ctr"/>
-            <a:lstStyle/>
-            <a:p>
-              <a:pPr algn="ctr"/>
-              <a:r>
-                <a:rPr lang="en-US" dirty="0">
-                  <a:solidFill>
-                    <a:schemeClr val="tx1"/>
-                  </a:solidFill>
-                </a:rPr>
-                <a:t>5</a:t>
-              </a:r>
-            </a:p>
-          </p:txBody>
-        </p:sp>
-      </p:grpSp>
+            </a:solidFill>
+            <a:tailEnd type="triangle"/>
+          </a:ln>
+        </p:spPr>
+        <p:style>
+          <a:lnRef idx="1">
+            <a:schemeClr val="accent1"/>
+          </a:lnRef>
+          <a:fillRef idx="0">
+            <a:schemeClr val="accent1"/>
+          </a:fillRef>
+          <a:effectRef idx="0">
+            <a:schemeClr val="accent1"/>
+          </a:effectRef>
+          <a:fontRef idx="minor">
+            <a:schemeClr val="tx1"/>
+          </a:fontRef>
+        </p:style>
+      </p:cxnSp>
+      <p:cxnSp>
+        <p:nvCxnSpPr>
+          <p:cNvPr id="27" name="Straight Arrow Connector 26">
+            <a:extLst>
+              <a:ext uri="{FF2B5EF4-FFF2-40B4-BE49-F238E27FC236}">
+                <a16:creationId xmlns:a16="http://schemas.microsoft.com/office/drawing/2014/main" id="{ECEE49CE-E2D3-4C4D-B21B-299B3043264C}"/>
+              </a:ext>
+            </a:extLst>
+          </p:cNvPr>
+          <p:cNvCxnSpPr>
+            <a:cxnSpLocks/>
+            <a:stCxn id="21" idx="3"/>
+            <a:endCxn id="22" idx="1"/>
+          </p:cNvCxnSpPr>
+          <p:nvPr/>
+        </p:nvCxnSpPr>
+        <p:spPr>
+          <a:xfrm>
+            <a:off x="4721801" y="1877925"/>
+            <a:ext cx="489919" cy="0"/>
+          </a:xfrm>
+          <a:prstGeom prst="straightConnector1">
+            <a:avLst/>
+          </a:prstGeom>
+          <a:ln w="41275">
+            <a:solidFill>
+              <a:schemeClr val="tx1"/>
+            </a:solidFill>
+            <a:tailEnd type="triangle"/>
+          </a:ln>
+        </p:spPr>
+        <p:style>
+          <a:lnRef idx="1">
+            <a:schemeClr val="accent1"/>
+          </a:lnRef>
+          <a:fillRef idx="0">
+            <a:schemeClr val="accent1"/>
+          </a:fillRef>
+          <a:effectRef idx="0">
+            <a:schemeClr val="accent1"/>
+          </a:effectRef>
+          <a:fontRef idx="minor">
+            <a:schemeClr val="tx1"/>
+          </a:fontRef>
+        </p:style>
+      </p:cxnSp>
+      <p:cxnSp>
+        <p:nvCxnSpPr>
+          <p:cNvPr id="30" name="Straight Arrow Connector 29">
+            <a:extLst>
+              <a:ext uri="{FF2B5EF4-FFF2-40B4-BE49-F238E27FC236}">
+                <a16:creationId xmlns:a16="http://schemas.microsoft.com/office/drawing/2014/main" id="{D104C0AA-B07E-485E-9C43-8BD82FD67E37}"/>
+              </a:ext>
+            </a:extLst>
+          </p:cNvPr>
+          <p:cNvCxnSpPr>
+            <a:cxnSpLocks/>
+            <a:stCxn id="22" idx="3"/>
+            <a:endCxn id="25" idx="1"/>
+          </p:cNvCxnSpPr>
+          <p:nvPr/>
+        </p:nvCxnSpPr>
+        <p:spPr>
+          <a:xfrm>
+            <a:off x="6241944" y="1877925"/>
+            <a:ext cx="489919" cy="1558"/>
+          </a:xfrm>
+          <a:prstGeom prst="straightConnector1">
+            <a:avLst/>
+          </a:prstGeom>
+          <a:ln w="41275">
+            <a:solidFill>
+              <a:schemeClr val="tx1"/>
+            </a:solidFill>
+            <a:tailEnd type="triangle"/>
+          </a:ln>
+        </p:spPr>
+        <p:style>
+          <a:lnRef idx="1">
+            <a:schemeClr val="accent1"/>
+          </a:lnRef>
+          <a:fillRef idx="0">
+            <a:schemeClr val="accent1"/>
+          </a:fillRef>
+          <a:effectRef idx="0">
+            <a:schemeClr val="accent1"/>
+          </a:effectRef>
+          <a:fontRef idx="minor">
+            <a:schemeClr val="tx1"/>
+          </a:fontRef>
+        </p:style>
+      </p:cxnSp>
+      <p:cxnSp>
+        <p:nvCxnSpPr>
+          <p:cNvPr id="33" name="Straight Arrow Connector 32">
+            <a:extLst>
+              <a:ext uri="{FF2B5EF4-FFF2-40B4-BE49-F238E27FC236}">
+                <a16:creationId xmlns:a16="http://schemas.microsoft.com/office/drawing/2014/main" id="{F9ADEDB0-6728-4993-9E59-5CFEAC4E0C70}"/>
+              </a:ext>
+            </a:extLst>
+          </p:cNvPr>
+          <p:cNvCxnSpPr>
+            <a:cxnSpLocks/>
+            <a:stCxn id="6" idx="2"/>
+            <a:endCxn id="20" idx="0"/>
+          </p:cNvCxnSpPr>
+          <p:nvPr/>
+        </p:nvCxnSpPr>
+        <p:spPr>
+          <a:xfrm>
+            <a:off x="2685475" y="775716"/>
+            <a:ext cx="0" cy="757785"/>
+          </a:xfrm>
+          <a:prstGeom prst="straightConnector1">
+            <a:avLst/>
+          </a:prstGeom>
+          <a:ln w="41275">
+            <a:solidFill>
+              <a:schemeClr val="tx1"/>
+            </a:solidFill>
+            <a:tailEnd type="triangle"/>
+          </a:ln>
+        </p:spPr>
+        <p:style>
+          <a:lnRef idx="1">
+            <a:schemeClr val="accent1"/>
+          </a:lnRef>
+          <a:fillRef idx="0">
+            <a:schemeClr val="accent1"/>
+          </a:fillRef>
+          <a:effectRef idx="0">
+            <a:schemeClr val="accent1"/>
+          </a:effectRef>
+          <a:fontRef idx="minor">
+            <a:schemeClr val="tx1"/>
+          </a:fontRef>
+        </p:style>
+      </p:cxnSp>
+      <p:sp>
+        <p:nvSpPr>
+          <p:cNvPr id="41" name="TextBox 40">
+            <a:extLst>
+              <a:ext uri="{FF2B5EF4-FFF2-40B4-BE49-F238E27FC236}">
+                <a16:creationId xmlns:a16="http://schemas.microsoft.com/office/drawing/2014/main" id="{95E0140C-12FF-4747-BB76-7039C568056A}"/>
+              </a:ext>
+            </a:extLst>
+          </p:cNvPr>
+          <p:cNvSpPr txBox="1"/>
+          <p:nvPr/>
+        </p:nvSpPr>
+        <p:spPr>
+          <a:xfrm>
+            <a:off x="7612007" y="1186721"/>
+            <a:ext cx="1426994" cy="369332"/>
+          </a:xfrm>
+          <a:prstGeom prst="rect">
+            <a:avLst/>
+          </a:prstGeom>
+          <a:noFill/>
+        </p:spPr>
+        <p:txBody>
+          <a:bodyPr wrap="none" rtlCol="0">
+            <a:spAutoFit/>
+          </a:bodyPr>
+          <a:lstStyle/>
+          <a:p>
+            <a:r>
+              <a:rPr lang="en-US" dirty="0"/>
+              <a:t>SLEDS Hybrid</a:t>
+            </a:r>
+          </a:p>
+        </p:txBody>
+      </p:sp>
+      <p:pic>
+        <p:nvPicPr>
+          <p:cNvPr id="53" name="Picture 52">
+            <a:extLst>
+              <a:ext uri="{FF2B5EF4-FFF2-40B4-BE49-F238E27FC236}">
+                <a16:creationId xmlns:a16="http://schemas.microsoft.com/office/drawing/2014/main" id="{DEAB2CF8-6FA9-4DA1-9156-67A1DE253593}"/>
+              </a:ext>
+            </a:extLst>
+          </p:cNvPr>
+          <p:cNvPicPr>
+            <a:picLocks noChangeAspect="1"/>
+          </p:cNvPicPr>
+          <p:nvPr/>
+        </p:nvPicPr>
+        <p:blipFill>
+          <a:blip r:embed="rId3"/>
+          <a:stretch>
+            <a:fillRect/>
+          </a:stretch>
+        </p:blipFill>
+        <p:spPr>
+          <a:xfrm>
+            <a:off x="9776805" y="3939917"/>
+            <a:ext cx="1536087" cy="1473517"/>
+          </a:xfrm>
+          <a:prstGeom prst="rect">
+            <a:avLst/>
+          </a:prstGeom>
+        </p:spPr>
+      </p:pic>
+      <p:sp>
+        <p:nvSpPr>
+          <p:cNvPr id="19" name="Flowchart: Connector 18"/>
+          <p:cNvSpPr/>
+          <p:nvPr/>
+        </p:nvSpPr>
+        <p:spPr>
+          <a:xfrm>
+            <a:off x="11119291" y="3889451"/>
+            <a:ext cx="256032" cy="265176"/>
+          </a:xfrm>
+          <a:prstGeom prst="flowChartConnector">
+            <a:avLst/>
+          </a:prstGeom>
+        </p:spPr>
+        <p:style>
+          <a:lnRef idx="2">
+            <a:schemeClr val="accent4">
+              <a:shade val="50000"/>
+            </a:schemeClr>
+          </a:lnRef>
+          <a:fillRef idx="1">
+            <a:schemeClr val="accent4"/>
+          </a:fillRef>
+          <a:effectRef idx="0">
+            <a:schemeClr val="accent4"/>
+          </a:effectRef>
+          <a:fontRef idx="minor">
+            <a:schemeClr val="lt1"/>
+          </a:fontRef>
+        </p:style>
+        <p:txBody>
+          <a:bodyPr rtlCol="0" anchor="ctr"/>
+          <a:lstStyle/>
+          <a:p>
+            <a:pPr algn="ctr"/>
+            <a:r>
+              <a:rPr lang="en-US" dirty="0">
+                <a:solidFill>
+                  <a:schemeClr val="tx1"/>
+                </a:solidFill>
+              </a:rPr>
+              <a:t>5</a:t>
+            </a:r>
+          </a:p>
+        </p:txBody>
+      </p:sp>
+      <p:sp>
+        <p:nvSpPr>
+          <p:cNvPr id="28" name="Flowchart: Connector 27">
+            <a:extLst>
+              <a:ext uri="{FF2B5EF4-FFF2-40B4-BE49-F238E27FC236}">
+                <a16:creationId xmlns:a16="http://schemas.microsoft.com/office/drawing/2014/main" id="{0D80C81C-0F09-4DE0-B6E3-A9840635C03A}"/>
+              </a:ext>
+            </a:extLst>
+          </p:cNvPr>
+          <p:cNvSpPr/>
+          <p:nvPr/>
+        </p:nvSpPr>
+        <p:spPr>
+          <a:xfrm>
+            <a:off x="3563561" y="4016391"/>
+            <a:ext cx="256032" cy="265176"/>
+          </a:xfrm>
+          <a:prstGeom prst="flowChartConnector">
+            <a:avLst/>
+          </a:prstGeom>
+        </p:spPr>
+        <p:style>
+          <a:lnRef idx="2">
+            <a:schemeClr val="accent4">
+              <a:shade val="50000"/>
+            </a:schemeClr>
+          </a:lnRef>
+          <a:fillRef idx="1">
+            <a:schemeClr val="accent4"/>
+          </a:fillRef>
+          <a:effectRef idx="0">
+            <a:schemeClr val="accent4"/>
+          </a:effectRef>
+          <a:fontRef idx="minor">
+            <a:schemeClr val="lt1"/>
+          </a:fontRef>
+        </p:style>
+        <p:txBody>
+          <a:bodyPr rtlCol="0" anchor="ctr"/>
+          <a:lstStyle/>
+          <a:p>
+            <a:pPr algn="ctr"/>
+            <a:r>
+              <a:rPr lang="en-US" dirty="0">
+                <a:solidFill>
+                  <a:schemeClr val="tx1"/>
+                </a:solidFill>
+              </a:rPr>
+              <a:t>6</a:t>
+            </a:r>
+          </a:p>
+        </p:txBody>
+      </p:sp>
+      <p:sp>
+        <p:nvSpPr>
+          <p:cNvPr id="2" name="TextBox 1">
+            <a:extLst>
+              <a:ext uri="{FF2B5EF4-FFF2-40B4-BE49-F238E27FC236}">
+                <a16:creationId xmlns:a16="http://schemas.microsoft.com/office/drawing/2014/main" id="{03B57D30-E8D8-4589-AF51-3F8C42E5D29B}"/>
+              </a:ext>
+            </a:extLst>
+          </p:cNvPr>
+          <p:cNvSpPr txBox="1"/>
+          <p:nvPr/>
+        </p:nvSpPr>
+        <p:spPr>
+          <a:xfrm>
+            <a:off x="3702922" y="3889451"/>
+            <a:ext cx="312906" cy="400110"/>
+          </a:xfrm>
+          <a:prstGeom prst="rect">
+            <a:avLst/>
+          </a:prstGeom>
+          <a:noFill/>
+        </p:spPr>
+        <p:txBody>
+          <a:bodyPr wrap="none" rtlCol="0">
+            <a:spAutoFit/>
+          </a:bodyPr>
+          <a:lstStyle/>
+          <a:p>
+            <a:r>
+              <a:rPr lang="en-US" sz="2000" dirty="0">
+                <a:solidFill>
+                  <a:srgbClr val="C00000"/>
+                </a:solidFill>
+              </a:rPr>
+              <a:t>*</a:t>
+            </a:r>
+          </a:p>
+        </p:txBody>
+      </p:sp>
+      <p:sp>
+        <p:nvSpPr>
+          <p:cNvPr id="29" name="TextBox 28">
+            <a:extLst>
+              <a:ext uri="{FF2B5EF4-FFF2-40B4-BE49-F238E27FC236}">
+                <a16:creationId xmlns:a16="http://schemas.microsoft.com/office/drawing/2014/main" id="{AED195DB-A205-426F-BD20-B97A3DB46BFC}"/>
+              </a:ext>
+            </a:extLst>
+          </p:cNvPr>
+          <p:cNvSpPr txBox="1"/>
+          <p:nvPr/>
+        </p:nvSpPr>
+        <p:spPr>
+          <a:xfrm>
+            <a:off x="9776805" y="3227332"/>
+            <a:ext cx="2292744" cy="400110"/>
+          </a:xfrm>
+          <a:prstGeom prst="rect">
+            <a:avLst/>
+          </a:prstGeom>
+          <a:noFill/>
+        </p:spPr>
+        <p:txBody>
+          <a:bodyPr wrap="none" rtlCol="0">
+            <a:spAutoFit/>
+          </a:bodyPr>
+          <a:lstStyle/>
+          <a:p>
+            <a:r>
+              <a:rPr lang="en-US" sz="2000" dirty="0">
+                <a:solidFill>
+                  <a:srgbClr val="C00000"/>
+                </a:solidFill>
+              </a:rPr>
+              <a:t>* </a:t>
+            </a:r>
+            <a:r>
+              <a:rPr lang="en-US" sz="2000" dirty="0"/>
+              <a:t>Not Shown Above </a:t>
+            </a:r>
+          </a:p>
+        </p:txBody>
+      </p:sp>
+      <p:cxnSp>
+        <p:nvCxnSpPr>
+          <p:cNvPr id="10" name="Straight Connector 9">
+            <a:extLst>
+              <a:ext uri="{FF2B5EF4-FFF2-40B4-BE49-F238E27FC236}">
+                <a16:creationId xmlns:a16="http://schemas.microsoft.com/office/drawing/2014/main" id="{72D97097-B083-4566-8962-9523C97F2522}"/>
+              </a:ext>
+            </a:extLst>
+          </p:cNvPr>
+          <p:cNvCxnSpPr>
+            <a:cxnSpLocks/>
+          </p:cNvCxnSpPr>
+          <p:nvPr/>
+        </p:nvCxnSpPr>
+        <p:spPr>
+          <a:xfrm>
+            <a:off x="510876" y="3139562"/>
+            <a:ext cx="10608415" cy="0"/>
+          </a:xfrm>
+          <a:prstGeom prst="line">
+            <a:avLst/>
+          </a:prstGeom>
+          <a:ln w="50800">
+            <a:solidFill>
+              <a:schemeClr val="tx1"/>
+            </a:solidFill>
+            <a:prstDash val="dash"/>
+          </a:ln>
+        </p:spPr>
+        <p:style>
+          <a:lnRef idx="1">
+            <a:schemeClr val="accent1"/>
+          </a:lnRef>
+          <a:fillRef idx="0">
+            <a:schemeClr val="accent1"/>
+          </a:fillRef>
+          <a:effectRef idx="0">
+            <a:schemeClr val="accent1"/>
+          </a:effectRef>
+          <a:fontRef idx="minor">
+            <a:schemeClr val="tx1"/>
+          </a:fontRef>
+        </p:style>
+      </p:cxnSp>
     </p:spTree>
     <p:extLst>
       <p:ext uri="{BB962C8B-B14F-4D97-AF65-F5344CB8AC3E}">
-        <p14:creationId xmlns:p14="http://schemas.microsoft.com/office/powerpoint/2010/main" xmlns:p="http://schemas.openxmlformats.org/presentationml/2006/main" xmlns:r="http://schemas.openxmlformats.org/officeDocument/2006/relationships" xmlns:a="http://schemas.openxmlformats.org/drawingml/2006/main" xmlns="" val="709557246"/>
+        <p14:creationId xmlns:p14="http://schemas.microsoft.com/office/powerpoint/2010/main" val="709557246"/>
       </p:ext>
     </p:extLst>
   </p:cSld>
@@ -3864,7 +4701,7 @@
   <a:extraClrSchemeLst/>
   <a:extLst>
     <a:ext uri="{05A4C25C-085E-4340-85A3-A5531E510DB2}">
-      <thm15:themeFamily xmlns:thm15="http://schemas.microsoft.com/office/thememl/2012/main" xmlns:a="http://schemas.openxmlformats.org/drawingml/2006/main" xmlns="" name="Office Theme" id="{62F939B6-93AF-4DB8-9C6B-D6C7DFDC589F}" vid="{4A3C46E8-61CC-4603-A589-7422A47A8E4A}"/>
+      <thm15:themeFamily xmlns:thm15="http://schemas.microsoft.com/office/thememl/2012/main" name="Office Theme" id="{62F939B6-93AF-4DB8-9C6B-D6C7DFDC589F}" vid="{4A3C46E8-61CC-4603-A589-7422A47A8E4A}"/>
     </a:ext>
   </a:extLst>
 </a:theme>
